--- a/Oral projet100h.pptx
+++ b/Oral projet100h.pptx
@@ -18,6 +18,7 @@
     <p:sldId id="266" r:id="rId12"/>
     <p:sldId id="267" r:id="rId13"/>
     <p:sldId id="268" r:id="rId14"/>
+    <p:sldId id="270" r:id="rId15"/>
   </p:sldIdLst>
   <p:sldSz cx="12192000" cy="6858000"/>
   <p:notesSz cx="6858000" cy="9144000"/>
@@ -5490,7 +5491,7 @@
           <a:noFill/>
           <a:extLst>
             <a:ext uri="{909E8E84-426E-40dd-AFC4-6F175D3DCCD1}">
-              <a14:hiddenFill xmlns:a14="http://schemas.microsoft.com/office/drawing/2010/main" xmlns="">
+              <a14:hiddenFill xmlns="" xmlns:a14="http://schemas.microsoft.com/office/drawing/2010/main">
                 <a:solidFill>
                   <a:srgbClr val="FFFFFF"/>
                 </a:solidFill>
@@ -5549,7 +5550,7 @@
             </a:ln>
             <a:extLst>
               <a:ext uri="{91240B29-F687-4f45-9708-019B960494DF}">
-                <a14:hiddenLine xmlns:a14="http://schemas.microsoft.com/office/drawing/2010/main" xmlns="" w="9525">
+                <a14:hiddenLine xmlns="" xmlns:a14="http://schemas.microsoft.com/office/drawing/2010/main" w="9525">
                   <a:solidFill>
                     <a:srgbClr val="000000"/>
                   </a:solidFill>
@@ -5639,7 +5640,7 @@
             </a:ln>
             <a:extLst>
               <a:ext uri="{91240B29-F687-4f45-9708-019B960494DF}">
-                <a14:hiddenLine xmlns:a14="http://schemas.microsoft.com/office/drawing/2010/main" xmlns="" w="9525">
+                <a14:hiddenLine xmlns="" xmlns:a14="http://schemas.microsoft.com/office/drawing/2010/main" w="9525">
                   <a:solidFill>
                     <a:srgbClr val="000000"/>
                   </a:solidFill>
@@ -5729,7 +5730,7 @@
             </a:ln>
             <a:extLst>
               <a:ext uri="{91240B29-F687-4f45-9708-019B960494DF}">
-                <a14:hiddenLine xmlns:a14="http://schemas.microsoft.com/office/drawing/2010/main" xmlns="" w="9525">
+                <a14:hiddenLine xmlns="" xmlns:a14="http://schemas.microsoft.com/office/drawing/2010/main" w="9525">
                   <a:solidFill>
                     <a:srgbClr val="000000"/>
                   </a:solidFill>
@@ -5763,7 +5764,7 @@
             </a:ln>
             <a:extLst>
               <a:ext uri="{91240B29-F687-4f45-9708-019B960494DF}">
-                <a14:hiddenLine xmlns:a14="http://schemas.microsoft.com/office/drawing/2010/main" xmlns="" w="9525">
+                <a14:hiddenLine xmlns="" xmlns:a14="http://schemas.microsoft.com/office/drawing/2010/main" w="9525">
                   <a:solidFill>
                     <a:srgbClr val="000000"/>
                   </a:solidFill>
@@ -5853,7 +5854,7 @@
             </a:ln>
             <a:extLst>
               <a:ext uri="{91240B29-F687-4f45-9708-019B960494DF}">
-                <a14:hiddenLine xmlns:a14="http://schemas.microsoft.com/office/drawing/2010/main" xmlns="" w="9525">
+                <a14:hiddenLine xmlns="" xmlns:a14="http://schemas.microsoft.com/office/drawing/2010/main" w="9525">
                   <a:solidFill>
                     <a:srgbClr val="000000"/>
                   </a:solidFill>
@@ -5915,7 +5916,7 @@
             </a:ln>
             <a:extLst>
               <a:ext uri="{91240B29-F687-4f45-9708-019B960494DF}">
-                <a14:hiddenLine xmlns:a14="http://schemas.microsoft.com/office/drawing/2010/main" xmlns="" w="9525">
+                <a14:hiddenLine xmlns="" xmlns:a14="http://schemas.microsoft.com/office/drawing/2010/main" w="9525">
                   <a:solidFill>
                     <a:srgbClr val="000000"/>
                   </a:solidFill>
@@ -5977,7 +5978,7 @@
             </a:ln>
             <a:extLst>
               <a:ext uri="{91240B29-F687-4f45-9708-019B960494DF}">
-                <a14:hiddenLine xmlns:a14="http://schemas.microsoft.com/office/drawing/2010/main" xmlns="" w="9525">
+                <a14:hiddenLine xmlns="" xmlns:a14="http://schemas.microsoft.com/office/drawing/2010/main" w="9525">
                   <a:solidFill>
                     <a:srgbClr val="000000"/>
                   </a:solidFill>
@@ -6067,7 +6068,7 @@
             </a:ln>
             <a:extLst>
               <a:ext uri="{91240B29-F687-4f45-9708-019B960494DF}">
-                <a14:hiddenLine xmlns:a14="http://schemas.microsoft.com/office/drawing/2010/main" xmlns="" w="9525">
+                <a14:hiddenLine xmlns="" xmlns:a14="http://schemas.microsoft.com/office/drawing/2010/main" w="9525">
                   <a:solidFill>
                     <a:srgbClr val="000000"/>
                   </a:solidFill>
@@ -6129,7 +6130,7 @@
             </a:ln>
             <a:extLst>
               <a:ext uri="{91240B29-F687-4f45-9708-019B960494DF}">
-                <a14:hiddenLine xmlns:a14="http://schemas.microsoft.com/office/drawing/2010/main" xmlns="" w="9525">
+                <a14:hiddenLine xmlns="" xmlns:a14="http://schemas.microsoft.com/office/drawing/2010/main" w="9525">
                   <a:solidFill>
                     <a:srgbClr val="000000"/>
                   </a:solidFill>
@@ -6191,7 +6192,7 @@
             </a:ln>
             <a:extLst>
               <a:ext uri="{91240B29-F687-4f45-9708-019B960494DF}">
-                <a14:hiddenLine xmlns:a14="http://schemas.microsoft.com/office/drawing/2010/main" xmlns="" w="9525">
+                <a14:hiddenLine xmlns="" xmlns:a14="http://schemas.microsoft.com/office/drawing/2010/main" w="9525">
                   <a:solidFill>
                     <a:srgbClr val="000000"/>
                   </a:solidFill>
@@ -6281,7 +6282,7 @@
             </a:ln>
             <a:extLst>
               <a:ext uri="{91240B29-F687-4f45-9708-019B960494DF}">
-                <a14:hiddenLine xmlns:a14="http://schemas.microsoft.com/office/drawing/2010/main" xmlns="" w="9525">
+                <a14:hiddenLine xmlns="" xmlns:a14="http://schemas.microsoft.com/office/drawing/2010/main" w="9525">
                   <a:solidFill>
                     <a:srgbClr val="000000"/>
                   </a:solidFill>
@@ -6371,7 +6372,7 @@
             </a:ln>
             <a:extLst>
               <a:ext uri="{91240B29-F687-4f45-9708-019B960494DF}">
-                <a14:hiddenLine xmlns:a14="http://schemas.microsoft.com/office/drawing/2010/main" xmlns="" w="9525">
+                <a14:hiddenLine xmlns="" xmlns:a14="http://schemas.microsoft.com/office/drawing/2010/main" w="9525">
                   <a:solidFill>
                     <a:srgbClr val="000000"/>
                   </a:solidFill>
@@ -6433,7 +6434,7 @@
             </a:ln>
             <a:extLst>
               <a:ext uri="{91240B29-F687-4f45-9708-019B960494DF}">
-                <a14:hiddenLine xmlns:a14="http://schemas.microsoft.com/office/drawing/2010/main" xmlns="" w="9525">
+                <a14:hiddenLine xmlns="" xmlns:a14="http://schemas.microsoft.com/office/drawing/2010/main" w="9525">
                   <a:solidFill>
                     <a:srgbClr val="000000"/>
                   </a:solidFill>
@@ -6543,7 +6544,7 @@
             </a:ln>
             <a:extLst>
               <a:ext uri="{91240B29-F687-4f45-9708-019B960494DF}">
-                <a14:hiddenLine xmlns:a14="http://schemas.microsoft.com/office/drawing/2010/main" xmlns="" w="9525">
+                <a14:hiddenLine xmlns="" xmlns:a14="http://schemas.microsoft.com/office/drawing/2010/main" w="9525">
                   <a:solidFill>
                     <a:srgbClr val="000000"/>
                   </a:solidFill>
@@ -6605,7 +6606,7 @@
             </a:ln>
             <a:extLst>
               <a:ext uri="{91240B29-F687-4f45-9708-019B960494DF}">
-                <a14:hiddenLine xmlns:a14="http://schemas.microsoft.com/office/drawing/2010/main" xmlns="" w="9525">
+                <a14:hiddenLine xmlns="" xmlns:a14="http://schemas.microsoft.com/office/drawing/2010/main" w="9525">
                   <a:solidFill>
                     <a:srgbClr val="000000"/>
                   </a:solidFill>
@@ -6695,7 +6696,7 @@
             </a:ln>
             <a:extLst>
               <a:ext uri="{91240B29-F687-4f45-9708-019B960494DF}">
-                <a14:hiddenLine xmlns:a14="http://schemas.microsoft.com/office/drawing/2010/main" xmlns="" w="9525">
+                <a14:hiddenLine xmlns="" xmlns:a14="http://schemas.microsoft.com/office/drawing/2010/main" w="9525">
                   <a:solidFill>
                     <a:srgbClr val="000000"/>
                   </a:solidFill>
@@ -6785,7 +6786,7 @@
             </a:ln>
             <a:extLst>
               <a:ext uri="{91240B29-F687-4f45-9708-019B960494DF}">
-                <a14:hiddenLine xmlns:a14="http://schemas.microsoft.com/office/drawing/2010/main" xmlns="" w="9525">
+                <a14:hiddenLine xmlns="" xmlns:a14="http://schemas.microsoft.com/office/drawing/2010/main" w="9525">
                   <a:solidFill>
                     <a:srgbClr val="000000"/>
                   </a:solidFill>
@@ -6847,7 +6848,7 @@
             </a:ln>
             <a:extLst>
               <a:ext uri="{91240B29-F687-4f45-9708-019B960494DF}">
-                <a14:hiddenLine xmlns:a14="http://schemas.microsoft.com/office/drawing/2010/main" xmlns="" w="9525">
+                <a14:hiddenLine xmlns="" xmlns:a14="http://schemas.microsoft.com/office/drawing/2010/main" w="9525">
                   <a:solidFill>
                     <a:srgbClr val="000000"/>
                   </a:solidFill>
@@ -6937,7 +6938,7 @@
             </a:ln>
             <a:extLst>
               <a:ext uri="{91240B29-F687-4f45-9708-019B960494DF}">
-                <a14:hiddenLine xmlns:a14="http://schemas.microsoft.com/office/drawing/2010/main" xmlns="" w="9525">
+                <a14:hiddenLine xmlns="" xmlns:a14="http://schemas.microsoft.com/office/drawing/2010/main" w="9525">
                   <a:solidFill>
                     <a:srgbClr val="000000"/>
                   </a:solidFill>
@@ -7027,7 +7028,7 @@
             </a:ln>
             <a:extLst>
               <a:ext uri="{91240B29-F687-4f45-9708-019B960494DF}">
-                <a14:hiddenLine xmlns:a14="http://schemas.microsoft.com/office/drawing/2010/main" xmlns="" w="9525">
+                <a14:hiddenLine xmlns="" xmlns:a14="http://schemas.microsoft.com/office/drawing/2010/main" w="9525">
                   <a:solidFill>
                     <a:srgbClr val="000000"/>
                   </a:solidFill>
@@ -7083,7 +7084,7 @@
             </a:ln>
             <a:extLst>
               <a:ext uri="{91240B29-F687-4f45-9708-019B960494DF}">
-                <a14:hiddenLine xmlns:a14="http://schemas.microsoft.com/office/drawing/2010/main" xmlns="" w="9525">
+                <a14:hiddenLine xmlns="" xmlns:a14="http://schemas.microsoft.com/office/drawing/2010/main" w="9525">
                   <a:solidFill>
                     <a:srgbClr val="000000"/>
                   </a:solidFill>
@@ -7173,7 +7174,7 @@
             </a:ln>
             <a:extLst>
               <a:ext uri="{91240B29-F687-4f45-9708-019B960494DF}">
-                <a14:hiddenLine xmlns:a14="http://schemas.microsoft.com/office/drawing/2010/main" xmlns="" w="9525">
+                <a14:hiddenLine xmlns="" xmlns:a14="http://schemas.microsoft.com/office/drawing/2010/main" w="9525">
                   <a:solidFill>
                     <a:srgbClr val="000000"/>
                   </a:solidFill>
@@ -7229,7 +7230,7 @@
             </a:ln>
             <a:extLst>
               <a:ext uri="{91240B29-F687-4f45-9708-019B960494DF}">
-                <a14:hiddenLine xmlns:a14="http://schemas.microsoft.com/office/drawing/2010/main" xmlns="" w="9525">
+                <a14:hiddenLine xmlns="" xmlns:a14="http://schemas.microsoft.com/office/drawing/2010/main" w="9525">
                   <a:solidFill>
                     <a:srgbClr val="000000"/>
                   </a:solidFill>
@@ -7319,7 +7320,7 @@
             </a:ln>
             <a:extLst>
               <a:ext uri="{91240B29-F687-4f45-9708-019B960494DF}">
-                <a14:hiddenLine xmlns:a14="http://schemas.microsoft.com/office/drawing/2010/main" xmlns="" w="9525">
+                <a14:hiddenLine xmlns="" xmlns:a14="http://schemas.microsoft.com/office/drawing/2010/main" w="9525">
                   <a:solidFill>
                     <a:srgbClr val="000000"/>
                   </a:solidFill>
@@ -7387,7 +7388,7 @@
             </a:ln>
             <a:extLst>
               <a:ext uri="{91240B29-F687-4f45-9708-019B960494DF}">
-                <a14:hiddenLine xmlns:a14="http://schemas.microsoft.com/office/drawing/2010/main" xmlns="" w="9525">
+                <a14:hiddenLine xmlns="" xmlns:a14="http://schemas.microsoft.com/office/drawing/2010/main" w="9525">
                   <a:solidFill>
                     <a:srgbClr val="000000"/>
                   </a:solidFill>
@@ -7477,7 +7478,7 @@
             </a:ln>
             <a:extLst>
               <a:ext uri="{91240B29-F687-4f45-9708-019B960494DF}">
-                <a14:hiddenLine xmlns:a14="http://schemas.microsoft.com/office/drawing/2010/main" xmlns="" w="9525">
+                <a14:hiddenLine xmlns="" xmlns:a14="http://schemas.microsoft.com/office/drawing/2010/main" w="9525">
                   <a:solidFill>
                     <a:srgbClr val="000000"/>
                   </a:solidFill>
@@ -7545,7 +7546,7 @@
             </a:ln>
             <a:extLst>
               <a:ext uri="{91240B29-F687-4f45-9708-019B960494DF}">
-                <a14:hiddenLine xmlns:a14="http://schemas.microsoft.com/office/drawing/2010/main" xmlns="" w="9525">
+                <a14:hiddenLine xmlns="" xmlns:a14="http://schemas.microsoft.com/office/drawing/2010/main" w="9525">
                   <a:solidFill>
                     <a:srgbClr val="000000"/>
                   </a:solidFill>
@@ -7635,7 +7636,7 @@
             </a:ln>
             <a:extLst>
               <a:ext uri="{91240B29-F687-4f45-9708-019B960494DF}">
-                <a14:hiddenLine xmlns:a14="http://schemas.microsoft.com/office/drawing/2010/main" xmlns="" w="9525">
+                <a14:hiddenLine xmlns="" xmlns:a14="http://schemas.microsoft.com/office/drawing/2010/main" w="9525">
                   <a:solidFill>
                     <a:srgbClr val="000000"/>
                   </a:solidFill>
@@ -7669,7 +7670,7 @@
             </a:ln>
             <a:extLst>
               <a:ext uri="{91240B29-F687-4f45-9708-019B960494DF}">
-                <a14:hiddenLine xmlns:a14="http://schemas.microsoft.com/office/drawing/2010/main" xmlns="" w="9525">
+                <a14:hiddenLine xmlns="" xmlns:a14="http://schemas.microsoft.com/office/drawing/2010/main" w="9525">
                   <a:solidFill>
                     <a:srgbClr val="000000"/>
                   </a:solidFill>
@@ -7759,7 +7760,7 @@
             </a:ln>
             <a:extLst>
               <a:ext uri="{91240B29-F687-4f45-9708-019B960494DF}">
-                <a14:hiddenLine xmlns:a14="http://schemas.microsoft.com/office/drawing/2010/main" xmlns="" w="9525">
+                <a14:hiddenLine xmlns="" xmlns:a14="http://schemas.microsoft.com/office/drawing/2010/main" w="9525">
                   <a:solidFill>
                     <a:srgbClr val="000000"/>
                   </a:solidFill>
@@ -7821,7 +7822,7 @@
             </a:ln>
             <a:extLst>
               <a:ext uri="{91240B29-F687-4f45-9708-019B960494DF}">
-                <a14:hiddenLine xmlns:a14="http://schemas.microsoft.com/office/drawing/2010/main" xmlns="" w="9525">
+                <a14:hiddenLine xmlns="" xmlns:a14="http://schemas.microsoft.com/office/drawing/2010/main" w="9525">
                   <a:solidFill>
                     <a:srgbClr val="000000"/>
                   </a:solidFill>
@@ -7883,7 +7884,7 @@
             </a:ln>
             <a:extLst>
               <a:ext uri="{91240B29-F687-4f45-9708-019B960494DF}">
-                <a14:hiddenLine xmlns:a14="http://schemas.microsoft.com/office/drawing/2010/main" xmlns="" w="9525">
+                <a14:hiddenLine xmlns="" xmlns:a14="http://schemas.microsoft.com/office/drawing/2010/main" w="9525">
                   <a:solidFill>
                     <a:srgbClr val="000000"/>
                   </a:solidFill>
@@ -7973,7 +7974,7 @@
             </a:ln>
             <a:extLst>
               <a:ext uri="{91240B29-F687-4f45-9708-019B960494DF}">
-                <a14:hiddenLine xmlns:a14="http://schemas.microsoft.com/office/drawing/2010/main" xmlns="" w="9525">
+                <a14:hiddenLine xmlns="" xmlns:a14="http://schemas.microsoft.com/office/drawing/2010/main" w="9525">
                   <a:solidFill>
                     <a:srgbClr val="000000"/>
                   </a:solidFill>
@@ -8041,7 +8042,7 @@
             </a:ln>
             <a:extLst>
               <a:ext uri="{91240B29-F687-4f45-9708-019B960494DF}">
-                <a14:hiddenLine xmlns:a14="http://schemas.microsoft.com/office/drawing/2010/main" xmlns="" w="9525">
+                <a14:hiddenLine xmlns="" xmlns:a14="http://schemas.microsoft.com/office/drawing/2010/main" w="9525">
                   <a:solidFill>
                     <a:srgbClr val="000000"/>
                   </a:solidFill>
@@ -8103,7 +8104,7 @@
             </a:ln>
             <a:extLst>
               <a:ext uri="{91240B29-F687-4f45-9708-019B960494DF}">
-                <a14:hiddenLine xmlns:a14="http://schemas.microsoft.com/office/drawing/2010/main" xmlns="" w="9525">
+                <a14:hiddenLine xmlns="" xmlns:a14="http://schemas.microsoft.com/office/drawing/2010/main" w="9525">
                   <a:solidFill>
                     <a:srgbClr val="000000"/>
                   </a:solidFill>
@@ -8193,7 +8194,7 @@
             </a:ln>
             <a:extLst>
               <a:ext uri="{91240B29-F687-4f45-9708-019B960494DF}">
-                <a14:hiddenLine xmlns:a14="http://schemas.microsoft.com/office/drawing/2010/main" xmlns="" w="9525">
+                <a14:hiddenLine xmlns="" xmlns:a14="http://schemas.microsoft.com/office/drawing/2010/main" w="9525">
                   <a:solidFill>
                     <a:srgbClr val="000000"/>
                   </a:solidFill>
@@ -8255,7 +8256,7 @@
             </a:ln>
             <a:extLst>
               <a:ext uri="{91240B29-F687-4f45-9708-019B960494DF}">
-                <a14:hiddenLine xmlns:a14="http://schemas.microsoft.com/office/drawing/2010/main" xmlns="" w="9525">
+                <a14:hiddenLine xmlns="" xmlns:a14="http://schemas.microsoft.com/office/drawing/2010/main" w="9525">
                   <a:solidFill>
                     <a:srgbClr val="000000"/>
                   </a:solidFill>
@@ -8345,7 +8346,7 @@
             </a:ln>
             <a:extLst>
               <a:ext uri="{91240B29-F687-4f45-9708-019B960494DF}">
-                <a14:hiddenLine xmlns:a14="http://schemas.microsoft.com/office/drawing/2010/main" xmlns="" w="9525">
+                <a14:hiddenLine xmlns="" xmlns:a14="http://schemas.microsoft.com/office/drawing/2010/main" w="9525">
                   <a:solidFill>
                     <a:srgbClr val="000000"/>
                   </a:solidFill>
@@ -8407,7 +8408,7 @@
             </a:ln>
             <a:extLst>
               <a:ext uri="{91240B29-F687-4f45-9708-019B960494DF}">
-                <a14:hiddenLine xmlns:a14="http://schemas.microsoft.com/office/drawing/2010/main" xmlns="" w="9525">
+                <a14:hiddenLine xmlns="" xmlns:a14="http://schemas.microsoft.com/office/drawing/2010/main" w="9525">
                   <a:solidFill>
                     <a:srgbClr val="000000"/>
                   </a:solidFill>
@@ -8497,7 +8498,7 @@
             </a:ln>
             <a:extLst>
               <a:ext uri="{91240B29-F687-4f45-9708-019B960494DF}">
-                <a14:hiddenLine xmlns:a14="http://schemas.microsoft.com/office/drawing/2010/main" xmlns="" w="9525">
+                <a14:hiddenLine xmlns="" xmlns:a14="http://schemas.microsoft.com/office/drawing/2010/main" w="9525">
                   <a:solidFill>
                     <a:srgbClr val="000000"/>
                   </a:solidFill>
@@ -8531,7 +8532,7 @@
             </a:ln>
             <a:extLst>
               <a:ext uri="{91240B29-F687-4f45-9708-019B960494DF}">
-                <a14:hiddenLine xmlns:a14="http://schemas.microsoft.com/office/drawing/2010/main" xmlns="" w="9525">
+                <a14:hiddenLine xmlns="" xmlns:a14="http://schemas.microsoft.com/office/drawing/2010/main" w="9525">
                   <a:solidFill>
                     <a:srgbClr val="000000"/>
                   </a:solidFill>
@@ -8596,7 +8597,7 @@
             </a:ln>
             <a:extLst>
               <a:ext uri="{91240B29-F687-4f45-9708-019B960494DF}">
-                <a14:hiddenLine xmlns:a14="http://schemas.microsoft.com/office/drawing/2010/main" xmlns="" w="9525">
+                <a14:hiddenLine xmlns="" xmlns:a14="http://schemas.microsoft.com/office/drawing/2010/main" w="9525">
                   <a:solidFill>
                     <a:srgbClr val="000000"/>
                   </a:solidFill>
@@ -8686,7 +8687,7 @@
             </a:ln>
             <a:extLst>
               <a:ext uri="{91240B29-F687-4f45-9708-019B960494DF}">
-                <a14:hiddenLine xmlns:a14="http://schemas.microsoft.com/office/drawing/2010/main" xmlns="" w="9525">
+                <a14:hiddenLine xmlns="" xmlns:a14="http://schemas.microsoft.com/office/drawing/2010/main" w="9525">
                   <a:solidFill>
                     <a:srgbClr val="000000"/>
                   </a:solidFill>
@@ -8748,7 +8749,7 @@
             </a:ln>
             <a:extLst>
               <a:ext uri="{91240B29-F687-4f45-9708-019B960494DF}">
-                <a14:hiddenLine xmlns:a14="http://schemas.microsoft.com/office/drawing/2010/main" xmlns="" w="9525">
+                <a14:hiddenLine xmlns="" xmlns:a14="http://schemas.microsoft.com/office/drawing/2010/main" w="9525">
                   <a:solidFill>
                     <a:srgbClr val="000000"/>
                   </a:solidFill>
@@ -8838,7 +8839,7 @@
             </a:ln>
             <a:extLst>
               <a:ext uri="{91240B29-F687-4f45-9708-019B960494DF}">
-                <a14:hiddenLine xmlns:a14="http://schemas.microsoft.com/office/drawing/2010/main" xmlns="" w="9525">
+                <a14:hiddenLine xmlns="" xmlns:a14="http://schemas.microsoft.com/office/drawing/2010/main" w="9525">
                   <a:solidFill>
                     <a:srgbClr val="000000"/>
                   </a:solidFill>
@@ -8928,7 +8929,7 @@
             </a:ln>
             <a:extLst>
               <a:ext uri="{91240B29-F687-4f45-9708-019B960494DF}">
-                <a14:hiddenLine xmlns:a14="http://schemas.microsoft.com/office/drawing/2010/main" xmlns="" w="9525">
+                <a14:hiddenLine xmlns="" xmlns:a14="http://schemas.microsoft.com/office/drawing/2010/main" w="9525">
                   <a:solidFill>
                     <a:srgbClr val="000000"/>
                   </a:solidFill>
@@ -8993,7 +8994,7 @@
             </a:ln>
             <a:extLst>
               <a:ext uri="{91240B29-F687-4f45-9708-019B960494DF}">
-                <a14:hiddenLine xmlns:a14="http://schemas.microsoft.com/office/drawing/2010/main" xmlns="" w="9525">
+                <a14:hiddenLine xmlns="" xmlns:a14="http://schemas.microsoft.com/office/drawing/2010/main" w="9525">
                   <a:solidFill>
                     <a:srgbClr val="000000"/>
                   </a:solidFill>
@@ -9055,7 +9056,7 @@
             </a:ln>
             <a:extLst>
               <a:ext uri="{91240B29-F687-4f45-9708-019B960494DF}">
-                <a14:hiddenLine xmlns:a14="http://schemas.microsoft.com/office/drawing/2010/main" xmlns="" w="9525">
+                <a14:hiddenLine xmlns="" xmlns:a14="http://schemas.microsoft.com/office/drawing/2010/main" w="9525">
                   <a:solidFill>
                     <a:srgbClr val="000000"/>
                   </a:solidFill>
@@ -9145,7 +9146,7 @@
             </a:ln>
             <a:extLst>
               <a:ext uri="{91240B29-F687-4f45-9708-019B960494DF}">
-                <a14:hiddenLine xmlns:a14="http://schemas.microsoft.com/office/drawing/2010/main" xmlns="" w="9525">
+                <a14:hiddenLine xmlns="" xmlns:a14="http://schemas.microsoft.com/office/drawing/2010/main" w="9525">
                   <a:solidFill>
                     <a:srgbClr val="000000"/>
                   </a:solidFill>
@@ -9235,7 +9236,7 @@
             </a:ln>
             <a:extLst>
               <a:ext uri="{91240B29-F687-4f45-9708-019B960494DF}">
-                <a14:hiddenLine xmlns:a14="http://schemas.microsoft.com/office/drawing/2010/main" xmlns="" w="9525">
+                <a14:hiddenLine xmlns="" xmlns:a14="http://schemas.microsoft.com/office/drawing/2010/main" w="9525">
                   <a:solidFill>
                     <a:srgbClr val="000000"/>
                   </a:solidFill>
@@ -9297,7 +9298,7 @@
             </a:ln>
             <a:extLst>
               <a:ext uri="{91240B29-F687-4f45-9708-019B960494DF}">
-                <a14:hiddenLine xmlns:a14="http://schemas.microsoft.com/office/drawing/2010/main" xmlns="" w="9525">
+                <a14:hiddenLine xmlns="" xmlns:a14="http://schemas.microsoft.com/office/drawing/2010/main" w="9525">
                   <a:solidFill>
                     <a:srgbClr val="000000"/>
                   </a:solidFill>
@@ -9417,7 +9418,7 @@
             </a:ln>
             <a:extLst>
               <a:ext uri="{91240B29-F687-4f45-9708-019B960494DF}">
-                <a14:hiddenLine xmlns:a14="http://schemas.microsoft.com/office/drawing/2010/main" xmlns="" w="9525">
+                <a14:hiddenLine xmlns="" xmlns:a14="http://schemas.microsoft.com/office/drawing/2010/main" w="9525">
                   <a:solidFill>
                     <a:srgbClr val="000000"/>
                   </a:solidFill>
@@ -9485,7 +9486,7 @@
             </a:ln>
             <a:extLst>
               <a:ext uri="{91240B29-F687-4f45-9708-019B960494DF}">
-                <a14:hiddenLine xmlns:a14="http://schemas.microsoft.com/office/drawing/2010/main" xmlns="" w="9525">
+                <a14:hiddenLine xmlns="" xmlns:a14="http://schemas.microsoft.com/office/drawing/2010/main" w="9525">
                   <a:solidFill>
                     <a:srgbClr val="000000"/>
                   </a:solidFill>
@@ -9575,7 +9576,7 @@
             </a:ln>
             <a:extLst>
               <a:ext uri="{91240B29-F687-4f45-9708-019B960494DF}">
-                <a14:hiddenLine xmlns:a14="http://schemas.microsoft.com/office/drawing/2010/main" xmlns="" w="9525">
+                <a14:hiddenLine xmlns="" xmlns:a14="http://schemas.microsoft.com/office/drawing/2010/main" w="9525">
                   <a:solidFill>
                     <a:srgbClr val="000000"/>
                   </a:solidFill>
@@ -9715,7 +9716,7 @@
           <a:p>
             <a:fld id="{E56008A9-BF70-4466-8BEF-5AFE9FD28D6F}" type="datetimeFigureOut">
               <a:rPr lang="fr-FR" smtClean="0"/>
-              <a:t>14/12/2017</a:t>
+              <a:t>15/12/2017</a:t>
             </a:fld>
             <a:endParaRPr lang="fr-FR"/>
           </a:p>
@@ -9982,7 +9983,7 @@
           <a:p>
             <a:fld id="{E56008A9-BF70-4466-8BEF-5AFE9FD28D6F}" type="datetimeFigureOut">
               <a:rPr lang="fr-FR" smtClean="0"/>
-              <a:t>14/12/2017</a:t>
+              <a:t>15/12/2017</a:t>
             </a:fld>
             <a:endParaRPr lang="fr-FR"/>
           </a:p>
@@ -10178,7 +10179,7 @@
           <a:p>
             <a:fld id="{E56008A9-BF70-4466-8BEF-5AFE9FD28D6F}" type="datetimeFigureOut">
               <a:rPr lang="fr-FR" smtClean="0"/>
-              <a:t>14/12/2017</a:t>
+              <a:t>15/12/2017</a:t>
             </a:fld>
             <a:endParaRPr lang="fr-FR"/>
           </a:p>
@@ -10441,7 +10442,7 @@
           <a:p>
             <a:fld id="{E56008A9-BF70-4466-8BEF-5AFE9FD28D6F}" type="datetimeFigureOut">
               <a:rPr lang="fr-FR" smtClean="0"/>
-              <a:t>14/12/2017</a:t>
+              <a:t>15/12/2017</a:t>
             </a:fld>
             <a:endParaRPr lang="fr-FR"/>
           </a:p>
@@ -10875,7 +10876,7 @@
           <a:p>
             <a:fld id="{E56008A9-BF70-4466-8BEF-5AFE9FD28D6F}" type="datetimeFigureOut">
               <a:rPr lang="fr-FR" smtClean="0"/>
-              <a:t>14/12/2017</a:t>
+              <a:t>15/12/2017</a:t>
             </a:fld>
             <a:endParaRPr lang="fr-FR"/>
           </a:p>
@@ -11421,7 +11422,7 @@
           <a:p>
             <a:fld id="{E56008A9-BF70-4466-8BEF-5AFE9FD28D6F}" type="datetimeFigureOut">
               <a:rPr lang="fr-FR" smtClean="0"/>
-              <a:t>14/12/2017</a:t>
+              <a:t>15/12/2017</a:t>
             </a:fld>
             <a:endParaRPr lang="fr-FR"/>
           </a:p>
@@ -12141,7 +12142,7 @@
           <a:p>
             <a:fld id="{E56008A9-BF70-4466-8BEF-5AFE9FD28D6F}" type="datetimeFigureOut">
               <a:rPr lang="fr-FR" smtClean="0"/>
-              <a:t>14/12/2017</a:t>
+              <a:t>15/12/2017</a:t>
             </a:fld>
             <a:endParaRPr lang="fr-FR"/>
           </a:p>
@@ -12311,7 +12312,7 @@
           <a:p>
             <a:fld id="{E56008A9-BF70-4466-8BEF-5AFE9FD28D6F}" type="datetimeFigureOut">
               <a:rPr lang="fr-FR" smtClean="0"/>
-              <a:t>14/12/2017</a:t>
+              <a:t>15/12/2017</a:t>
             </a:fld>
             <a:endParaRPr lang="fr-FR"/>
           </a:p>
@@ -12491,7 +12492,7 @@
           <a:p>
             <a:fld id="{E56008A9-BF70-4466-8BEF-5AFE9FD28D6F}" type="datetimeFigureOut">
               <a:rPr lang="fr-FR" smtClean="0"/>
-              <a:t>14/12/2017</a:t>
+              <a:t>15/12/2017</a:t>
             </a:fld>
             <a:endParaRPr lang="fr-FR"/>
           </a:p>
@@ -12661,7 +12662,7 @@
           <a:p>
             <a:fld id="{E56008A9-BF70-4466-8BEF-5AFE9FD28D6F}" type="datetimeFigureOut">
               <a:rPr lang="fr-FR" smtClean="0"/>
-              <a:t>14/12/2017</a:t>
+              <a:t>15/12/2017</a:t>
             </a:fld>
             <a:endParaRPr lang="fr-FR"/>
           </a:p>
@@ -12911,7 +12912,7 @@
           <a:p>
             <a:fld id="{E56008A9-BF70-4466-8BEF-5AFE9FD28D6F}" type="datetimeFigureOut">
               <a:rPr lang="fr-FR" smtClean="0"/>
-              <a:t>14/12/2017</a:t>
+              <a:t>15/12/2017</a:t>
             </a:fld>
             <a:endParaRPr lang="fr-FR"/>
           </a:p>
@@ -13143,7 +13144,7 @@
           <a:p>
             <a:fld id="{E56008A9-BF70-4466-8BEF-5AFE9FD28D6F}" type="datetimeFigureOut">
               <a:rPr lang="fr-FR" smtClean="0"/>
-              <a:t>14/12/2017</a:t>
+              <a:t>15/12/2017</a:t>
             </a:fld>
             <a:endParaRPr lang="fr-FR"/>
           </a:p>
@@ -13524,7 +13525,7 @@
           <a:p>
             <a:fld id="{E56008A9-BF70-4466-8BEF-5AFE9FD28D6F}" type="datetimeFigureOut">
               <a:rPr lang="fr-FR" smtClean="0"/>
-              <a:t>14/12/2017</a:t>
+              <a:t>15/12/2017</a:t>
             </a:fld>
             <a:endParaRPr lang="fr-FR"/>
           </a:p>
@@ -13642,7 +13643,7 @@
           <a:p>
             <a:fld id="{E56008A9-BF70-4466-8BEF-5AFE9FD28D6F}" type="datetimeFigureOut">
               <a:rPr lang="fr-FR" smtClean="0"/>
-              <a:t>14/12/2017</a:t>
+              <a:t>15/12/2017</a:t>
             </a:fld>
             <a:endParaRPr lang="fr-FR"/>
           </a:p>
@@ -13737,7 +13738,7 @@
           <a:p>
             <a:fld id="{E56008A9-BF70-4466-8BEF-5AFE9FD28D6F}" type="datetimeFigureOut">
               <a:rPr lang="fr-FR" smtClean="0"/>
-              <a:t>14/12/2017</a:t>
+              <a:t>15/12/2017</a:t>
             </a:fld>
             <a:endParaRPr lang="fr-FR"/>
           </a:p>
@@ -13986,7 +13987,7 @@
           <a:p>
             <a:fld id="{E56008A9-BF70-4466-8BEF-5AFE9FD28D6F}" type="datetimeFigureOut">
               <a:rPr lang="fr-FR" smtClean="0"/>
-              <a:t>14/12/2017</a:t>
+              <a:t>15/12/2017</a:t>
             </a:fld>
             <a:endParaRPr lang="fr-FR"/>
           </a:p>
@@ -14266,7 +14267,7 @@
           <a:p>
             <a:fld id="{E56008A9-BF70-4466-8BEF-5AFE9FD28D6F}" type="datetimeFigureOut">
               <a:rPr lang="fr-FR" smtClean="0"/>
-              <a:t>14/12/2017</a:t>
+              <a:t>15/12/2017</a:t>
             </a:fld>
             <a:endParaRPr lang="fr-FR"/>
           </a:p>
@@ -14389,7 +14390,7 @@
           <a:noFill/>
           <a:extLst>
             <a:ext uri="{909E8E84-426E-40dd-AFC4-6F175D3DCCD1}">
-              <a14:hiddenFill xmlns:a14="http://schemas.microsoft.com/office/drawing/2010/main" xmlns="">
+              <a14:hiddenFill xmlns="" xmlns:a14="http://schemas.microsoft.com/office/drawing/2010/main">
                 <a:solidFill>
                   <a:srgbClr val="FFFFFF"/>
                 </a:solidFill>
@@ -14463,7 +14464,7 @@
               </a:ln>
               <a:extLst>
                 <a:ext uri="{91240B29-F687-4f45-9708-019B960494DF}">
-                  <a14:hiddenLine xmlns:a14="http://schemas.microsoft.com/office/drawing/2010/main" xmlns="" w="9525">
+                  <a14:hiddenLine xmlns="" xmlns:a14="http://schemas.microsoft.com/office/drawing/2010/main" w="9525">
                     <a:solidFill>
                       <a:srgbClr val="000000"/>
                     </a:solidFill>
@@ -14553,7 +14554,7 @@
               </a:ln>
               <a:extLst>
                 <a:ext uri="{91240B29-F687-4f45-9708-019B960494DF}">
-                  <a14:hiddenLine xmlns:a14="http://schemas.microsoft.com/office/drawing/2010/main" xmlns="" w="9525">
+                  <a14:hiddenLine xmlns="" xmlns:a14="http://schemas.microsoft.com/office/drawing/2010/main" w="9525">
                     <a:solidFill>
                       <a:srgbClr val="000000"/>
                     </a:solidFill>
@@ -14643,7 +14644,7 @@
               </a:ln>
               <a:extLst>
                 <a:ext uri="{91240B29-F687-4f45-9708-019B960494DF}">
-                  <a14:hiddenLine xmlns:a14="http://schemas.microsoft.com/office/drawing/2010/main" xmlns="" w="9525">
+                  <a14:hiddenLine xmlns="" xmlns:a14="http://schemas.microsoft.com/office/drawing/2010/main" w="9525">
                     <a:solidFill>
                       <a:srgbClr val="000000"/>
                     </a:solidFill>
@@ -14705,7 +14706,7 @@
               </a:ln>
               <a:extLst>
                 <a:ext uri="{91240B29-F687-4f45-9708-019B960494DF}">
-                  <a14:hiddenLine xmlns:a14="http://schemas.microsoft.com/office/drawing/2010/main" xmlns="" w="9525">
+                  <a14:hiddenLine xmlns="" xmlns:a14="http://schemas.microsoft.com/office/drawing/2010/main" w="9525">
                     <a:solidFill>
                       <a:srgbClr val="000000"/>
                     </a:solidFill>
@@ -14795,7 +14796,7 @@
               </a:ln>
               <a:extLst>
                 <a:ext uri="{91240B29-F687-4f45-9708-019B960494DF}">
-                  <a14:hiddenLine xmlns:a14="http://schemas.microsoft.com/office/drawing/2010/main" xmlns="" w="9525">
+                  <a14:hiddenLine xmlns="" xmlns:a14="http://schemas.microsoft.com/office/drawing/2010/main" w="9525">
                     <a:solidFill>
                       <a:srgbClr val="000000"/>
                     </a:solidFill>
@@ -14857,7 +14858,7 @@
               </a:ln>
               <a:extLst>
                 <a:ext uri="{91240B29-F687-4f45-9708-019B960494DF}">
-                  <a14:hiddenLine xmlns:a14="http://schemas.microsoft.com/office/drawing/2010/main" xmlns="" w="9525">
+                  <a14:hiddenLine xmlns="" xmlns:a14="http://schemas.microsoft.com/office/drawing/2010/main" w="9525">
                     <a:solidFill>
                       <a:srgbClr val="000000"/>
                     </a:solidFill>
@@ -14919,7 +14920,7 @@
               </a:ln>
               <a:extLst>
                 <a:ext uri="{91240B29-F687-4f45-9708-019B960494DF}">
-                  <a14:hiddenLine xmlns:a14="http://schemas.microsoft.com/office/drawing/2010/main" xmlns="" w="9525">
+                  <a14:hiddenLine xmlns="" xmlns:a14="http://schemas.microsoft.com/office/drawing/2010/main" w="9525">
                     <a:solidFill>
                       <a:srgbClr val="000000"/>
                     </a:solidFill>
@@ -15009,7 +15010,7 @@
               </a:ln>
               <a:extLst>
                 <a:ext uri="{91240B29-F687-4f45-9708-019B960494DF}">
-                  <a14:hiddenLine xmlns:a14="http://schemas.microsoft.com/office/drawing/2010/main" xmlns="" w="9525">
+                  <a14:hiddenLine xmlns="" xmlns:a14="http://schemas.microsoft.com/office/drawing/2010/main" w="9525">
                     <a:solidFill>
                       <a:srgbClr val="000000"/>
                     </a:solidFill>
@@ -15099,7 +15100,7 @@
               </a:ln>
               <a:extLst>
                 <a:ext uri="{91240B29-F687-4f45-9708-019B960494DF}">
-                  <a14:hiddenLine xmlns:a14="http://schemas.microsoft.com/office/drawing/2010/main" xmlns="" w="9525">
+                  <a14:hiddenLine xmlns="" xmlns:a14="http://schemas.microsoft.com/office/drawing/2010/main" w="9525">
                     <a:solidFill>
                       <a:srgbClr val="000000"/>
                     </a:solidFill>
@@ -15161,7 +15162,7 @@
               </a:ln>
               <a:extLst>
                 <a:ext uri="{91240B29-F687-4f45-9708-019B960494DF}">
-                  <a14:hiddenLine xmlns:a14="http://schemas.microsoft.com/office/drawing/2010/main" xmlns="" w="9525">
+                  <a14:hiddenLine xmlns="" xmlns:a14="http://schemas.microsoft.com/office/drawing/2010/main" w="9525">
                     <a:solidFill>
                       <a:srgbClr val="000000"/>
                     </a:solidFill>
@@ -15271,7 +15272,7 @@
               </a:ln>
               <a:extLst>
                 <a:ext uri="{91240B29-F687-4f45-9708-019B960494DF}">
-                  <a14:hiddenLine xmlns:a14="http://schemas.microsoft.com/office/drawing/2010/main" xmlns="" w="9525">
+                  <a14:hiddenLine xmlns="" xmlns:a14="http://schemas.microsoft.com/office/drawing/2010/main" w="9525">
                     <a:solidFill>
                       <a:srgbClr val="000000"/>
                     </a:solidFill>
@@ -15355,7 +15356,7 @@
               </a:ln>
               <a:extLst>
                 <a:ext uri="{91240B29-F687-4f45-9708-019B960494DF}">
-                  <a14:hiddenLine xmlns:a14="http://schemas.microsoft.com/office/drawing/2010/main" xmlns="" w="9525">
+                  <a14:hiddenLine xmlns="" xmlns:a14="http://schemas.microsoft.com/office/drawing/2010/main" w="9525">
                     <a:solidFill>
                       <a:srgbClr val="000000"/>
                     </a:solidFill>
@@ -15417,7 +15418,7 @@
               </a:ln>
               <a:extLst>
                 <a:ext uri="{91240B29-F687-4f45-9708-019B960494DF}">
-                  <a14:hiddenLine xmlns:a14="http://schemas.microsoft.com/office/drawing/2010/main" xmlns="" w="9525">
+                  <a14:hiddenLine xmlns="" xmlns:a14="http://schemas.microsoft.com/office/drawing/2010/main" w="9525">
                     <a:solidFill>
                       <a:srgbClr val="000000"/>
                     </a:solidFill>
@@ -15479,7 +15480,7 @@
               </a:ln>
               <a:extLst>
                 <a:ext uri="{91240B29-F687-4f45-9708-019B960494DF}">
-                  <a14:hiddenLine xmlns:a14="http://schemas.microsoft.com/office/drawing/2010/main" xmlns="" w="9525">
+                  <a14:hiddenLine xmlns="" xmlns:a14="http://schemas.microsoft.com/office/drawing/2010/main" w="9525">
                     <a:solidFill>
                       <a:srgbClr val="000000"/>
                     </a:solidFill>
@@ -15569,7 +15570,7 @@
               </a:ln>
               <a:extLst>
                 <a:ext uri="{91240B29-F687-4f45-9708-019B960494DF}">
-                  <a14:hiddenLine xmlns:a14="http://schemas.microsoft.com/office/drawing/2010/main" xmlns="" w="9525">
+                  <a14:hiddenLine xmlns="" xmlns:a14="http://schemas.microsoft.com/office/drawing/2010/main" w="9525">
                     <a:solidFill>
                       <a:srgbClr val="000000"/>
                     </a:solidFill>
@@ -15603,7 +15604,7 @@
               </a:ln>
               <a:extLst>
                 <a:ext uri="{91240B29-F687-4f45-9708-019B960494DF}">
-                  <a14:hiddenLine xmlns:a14="http://schemas.microsoft.com/office/drawing/2010/main" xmlns="" w="9525">
+                  <a14:hiddenLine xmlns="" xmlns:a14="http://schemas.microsoft.com/office/drawing/2010/main" w="9525">
                     <a:solidFill>
                       <a:srgbClr val="000000"/>
                     </a:solidFill>
@@ -15668,7 +15669,7 @@
               </a:ln>
               <a:extLst>
                 <a:ext uri="{91240B29-F687-4f45-9708-019B960494DF}">
-                  <a14:hiddenLine xmlns:a14="http://schemas.microsoft.com/office/drawing/2010/main" xmlns="" w="9525">
+                  <a14:hiddenLine xmlns="" xmlns:a14="http://schemas.microsoft.com/office/drawing/2010/main" w="9525">
                     <a:solidFill>
                       <a:srgbClr val="000000"/>
                     </a:solidFill>
@@ -15758,7 +15759,7 @@
               </a:ln>
               <a:extLst>
                 <a:ext uri="{91240B29-F687-4f45-9708-019B960494DF}">
-                  <a14:hiddenLine xmlns:a14="http://schemas.microsoft.com/office/drawing/2010/main" xmlns="" w="9525">
+                  <a14:hiddenLine xmlns="" xmlns:a14="http://schemas.microsoft.com/office/drawing/2010/main" w="9525">
                     <a:solidFill>
                       <a:srgbClr val="000000"/>
                     </a:solidFill>
@@ -15820,7 +15821,7 @@
               </a:ln>
               <a:extLst>
                 <a:ext uri="{91240B29-F687-4f45-9708-019B960494DF}">
-                  <a14:hiddenLine xmlns:a14="http://schemas.microsoft.com/office/drawing/2010/main" xmlns="" w="9525">
+                  <a14:hiddenLine xmlns="" xmlns:a14="http://schemas.microsoft.com/office/drawing/2010/main" w="9525">
                     <a:solidFill>
                       <a:srgbClr val="000000"/>
                     </a:solidFill>
@@ -15910,7 +15911,7 @@
               </a:ln>
               <a:extLst>
                 <a:ext uri="{91240B29-F687-4f45-9708-019B960494DF}">
-                  <a14:hiddenLine xmlns:a14="http://schemas.microsoft.com/office/drawing/2010/main" xmlns="" w="9525">
+                  <a14:hiddenLine xmlns="" xmlns:a14="http://schemas.microsoft.com/office/drawing/2010/main" w="9525">
                     <a:solidFill>
                       <a:srgbClr val="000000"/>
                     </a:solidFill>
@@ -15975,7 +15976,7 @@
               </a:ln>
               <a:extLst>
                 <a:ext uri="{91240B29-F687-4f45-9708-019B960494DF}">
-                  <a14:hiddenLine xmlns:a14="http://schemas.microsoft.com/office/drawing/2010/main" xmlns="" w="9525">
+                  <a14:hiddenLine xmlns="" xmlns:a14="http://schemas.microsoft.com/office/drawing/2010/main" w="9525">
                     <a:solidFill>
                       <a:srgbClr val="000000"/>
                     </a:solidFill>
@@ -16037,7 +16038,7 @@
               </a:ln>
               <a:extLst>
                 <a:ext uri="{91240B29-F687-4f45-9708-019B960494DF}">
-                  <a14:hiddenLine xmlns:a14="http://schemas.microsoft.com/office/drawing/2010/main" xmlns="" w="9525">
+                  <a14:hiddenLine xmlns="" xmlns:a14="http://schemas.microsoft.com/office/drawing/2010/main" w="9525">
                     <a:solidFill>
                       <a:srgbClr val="000000"/>
                     </a:solidFill>
@@ -16127,7 +16128,7 @@
               </a:ln>
               <a:extLst>
                 <a:ext uri="{91240B29-F687-4f45-9708-019B960494DF}">
-                  <a14:hiddenLine xmlns:a14="http://schemas.microsoft.com/office/drawing/2010/main" xmlns="" w="9525">
+                  <a14:hiddenLine xmlns="" xmlns:a14="http://schemas.microsoft.com/office/drawing/2010/main" w="9525">
                     <a:solidFill>
                       <a:srgbClr val="000000"/>
                     </a:solidFill>
@@ -16217,7 +16218,7 @@
               </a:ln>
               <a:extLst>
                 <a:ext uri="{91240B29-F687-4f45-9708-019B960494DF}">
-                  <a14:hiddenLine xmlns:a14="http://schemas.microsoft.com/office/drawing/2010/main" xmlns="" w="9525">
+                  <a14:hiddenLine xmlns="" xmlns:a14="http://schemas.microsoft.com/office/drawing/2010/main" w="9525">
                     <a:solidFill>
                       <a:srgbClr val="000000"/>
                     </a:solidFill>
@@ -16282,7 +16283,7 @@
               </a:ln>
               <a:extLst>
                 <a:ext uri="{91240B29-F687-4f45-9708-019B960494DF}">
-                  <a14:hiddenLine xmlns:a14="http://schemas.microsoft.com/office/drawing/2010/main" xmlns="" w="9525">
+                  <a14:hiddenLine xmlns="" xmlns:a14="http://schemas.microsoft.com/office/drawing/2010/main" w="9525">
                     <a:solidFill>
                       <a:srgbClr val="000000"/>
                     </a:solidFill>
@@ -16402,7 +16403,7 @@
               </a:ln>
               <a:extLst>
                 <a:ext uri="{91240B29-F687-4f45-9708-019B960494DF}">
-                  <a14:hiddenLine xmlns:a14="http://schemas.microsoft.com/office/drawing/2010/main" xmlns="" w="9525">
+                  <a14:hiddenLine xmlns="" xmlns:a14="http://schemas.microsoft.com/office/drawing/2010/main" w="9525">
                     <a:solidFill>
                       <a:srgbClr val="000000"/>
                     </a:solidFill>
@@ -16483,7 +16484,7 @@
               </a:ln>
               <a:extLst>
                 <a:ext uri="{91240B29-F687-4f45-9708-019B960494DF}">
-                  <a14:hiddenLine xmlns:a14="http://schemas.microsoft.com/office/drawing/2010/main" xmlns="" w="9525">
+                  <a14:hiddenLine xmlns="" xmlns:a14="http://schemas.microsoft.com/office/drawing/2010/main" w="9525">
                     <a:solidFill>
                       <a:srgbClr val="000000"/>
                     </a:solidFill>
@@ -16598,7 +16599,7 @@
               </a:ln>
               <a:extLst>
                 <a:ext uri="{91240B29-F687-4f45-9708-019B960494DF}">
-                  <a14:hiddenLine xmlns:a14="http://schemas.microsoft.com/office/drawing/2010/main" xmlns="" w="9525">
+                  <a14:hiddenLine xmlns="" xmlns:a14="http://schemas.microsoft.com/office/drawing/2010/main" w="9525">
                     <a:solidFill>
                       <a:srgbClr val="000000"/>
                     </a:solidFill>
@@ -16688,7 +16689,7 @@
               </a:ln>
               <a:extLst>
                 <a:ext uri="{91240B29-F687-4f45-9708-019B960494DF}">
-                  <a14:hiddenLine xmlns:a14="http://schemas.microsoft.com/office/drawing/2010/main" xmlns="" w="9525">
+                  <a14:hiddenLine xmlns="" xmlns:a14="http://schemas.microsoft.com/office/drawing/2010/main" w="9525">
                     <a:solidFill>
                       <a:srgbClr val="000000"/>
                     </a:solidFill>
@@ -16753,7 +16754,7 @@
               </a:ln>
               <a:extLst>
                 <a:ext uri="{91240B29-F687-4f45-9708-019B960494DF}">
-                  <a14:hiddenLine xmlns:a14="http://schemas.microsoft.com/office/drawing/2010/main" xmlns="" w="9525">
+                  <a14:hiddenLine xmlns="" xmlns:a14="http://schemas.microsoft.com/office/drawing/2010/main" w="9525">
                     <a:solidFill>
                       <a:srgbClr val="000000"/>
                     </a:solidFill>
@@ -16843,7 +16844,7 @@
               </a:ln>
               <a:extLst>
                 <a:ext uri="{91240B29-F687-4f45-9708-019B960494DF}">
-                  <a14:hiddenLine xmlns:a14="http://schemas.microsoft.com/office/drawing/2010/main" xmlns="" w="9525">
+                  <a14:hiddenLine xmlns="" xmlns:a14="http://schemas.microsoft.com/office/drawing/2010/main" w="9525">
                     <a:solidFill>
                       <a:srgbClr val="000000"/>
                     </a:solidFill>
@@ -16911,7 +16912,7 @@
               </a:ln>
               <a:extLst>
                 <a:ext uri="{91240B29-F687-4f45-9708-019B960494DF}">
-                  <a14:hiddenLine xmlns:a14="http://schemas.microsoft.com/office/drawing/2010/main" xmlns="" w="9525">
+                  <a14:hiddenLine xmlns="" xmlns:a14="http://schemas.microsoft.com/office/drawing/2010/main" w="9525">
                     <a:solidFill>
                       <a:srgbClr val="000000"/>
                     </a:solidFill>
@@ -17001,7 +17002,7 @@
               </a:ln>
               <a:extLst>
                 <a:ext uri="{91240B29-F687-4f45-9708-019B960494DF}">
-                  <a14:hiddenLine xmlns:a14="http://schemas.microsoft.com/office/drawing/2010/main" xmlns="" w="9525">
+                  <a14:hiddenLine xmlns="" xmlns:a14="http://schemas.microsoft.com/office/drawing/2010/main" w="9525">
                     <a:solidFill>
                       <a:srgbClr val="000000"/>
                     </a:solidFill>
@@ -17069,7 +17070,7 @@
               </a:ln>
               <a:extLst>
                 <a:ext uri="{91240B29-F687-4f45-9708-019B960494DF}">
-                  <a14:hiddenLine xmlns:a14="http://schemas.microsoft.com/office/drawing/2010/main" xmlns="" w="9525">
+                  <a14:hiddenLine xmlns="" xmlns:a14="http://schemas.microsoft.com/office/drawing/2010/main" w="9525">
                     <a:solidFill>
                       <a:srgbClr val="000000"/>
                     </a:solidFill>
@@ -17159,7 +17160,7 @@
               </a:ln>
               <a:extLst>
                 <a:ext uri="{91240B29-F687-4f45-9708-019B960494DF}">
-                  <a14:hiddenLine xmlns:a14="http://schemas.microsoft.com/office/drawing/2010/main" xmlns="" w="9525">
+                  <a14:hiddenLine xmlns="" xmlns:a14="http://schemas.microsoft.com/office/drawing/2010/main" w="9525">
                     <a:solidFill>
                       <a:srgbClr val="000000"/>
                     </a:solidFill>
@@ -17193,7 +17194,7 @@
               </a:ln>
               <a:extLst>
                 <a:ext uri="{91240B29-F687-4f45-9708-019B960494DF}">
-                  <a14:hiddenLine xmlns:a14="http://schemas.microsoft.com/office/drawing/2010/main" xmlns="" w="9525">
+                  <a14:hiddenLine xmlns="" xmlns:a14="http://schemas.microsoft.com/office/drawing/2010/main" w="9525">
                     <a:solidFill>
                       <a:srgbClr val="000000"/>
                     </a:solidFill>
@@ -17333,7 +17334,7 @@
           <a:p>
             <a:fld id="{E56008A9-BF70-4466-8BEF-5AFE9FD28D6F}" type="datetimeFigureOut">
               <a:rPr lang="fr-FR" smtClean="0"/>
-              <a:t>14/12/2017</a:t>
+              <a:t>15/12/2017</a:t>
             </a:fld>
             <a:endParaRPr lang="fr-FR"/>
           </a:p>
@@ -17844,7 +17845,7 @@
         <p:spPr>
           <a:xfrm>
             <a:off x="191911" y="6434667"/>
-            <a:ext cx="4064254" cy="369332"/>
+            <a:ext cx="3970767" cy="369332"/>
           </a:xfrm>
           <a:prstGeom prst="rect">
             <a:avLst/>
@@ -17859,13 +17860,8 @@
           <a:p>
             <a:r>
               <a:rPr lang="fr-FR" dirty="0"/>
-              <a:t>Professeur superviseur : Vincent </a:t>
+              <a:t>Professeur superviseur : Vincent LEFEVERE</a:t>
             </a:r>
-            <a:r>
-              <a:rPr lang="fr-FR" dirty="0" err="1"/>
-              <a:t>Lefevere</a:t>
-            </a:r>
-            <a:endParaRPr lang="fr-FR" dirty="0"/>
           </a:p>
         </p:txBody>
       </p:sp>
@@ -18239,47 +18235,563 @@
             <p:ph idx="1"/>
           </p:nvPr>
         </p:nvSpPr>
-        <p:spPr/>
+        <p:spPr>
+          <a:xfrm>
+            <a:off x="1416620" y="2227244"/>
+            <a:ext cx="3403955" cy="3831718"/>
+          </a:xfrm>
+        </p:spPr>
         <p:txBody>
-          <a:bodyPr/>
+          <a:bodyPr>
+            <a:normAutofit fontScale="47500" lnSpcReduction="20000"/>
+          </a:bodyPr>
           <a:lstStyle/>
           <a:p>
+            <a:pPr marL="0" indent="0">
+              <a:buNone/>
+            </a:pPr>
             <a:r>
-              <a:rPr lang="fr-FR" dirty="0"/>
-              <a:t>Test item : inscription sur le site</a:t>
+              <a:rPr lang="fr-FR" sz="2900" dirty="0"/>
+              <a:t>Test items : </a:t>
             </a:r>
           </a:p>
           <a:p>
             <a:r>
               <a:rPr lang="fr-FR" dirty="0"/>
-              <a:t>Software Risk Issue : Identification utilisateur, échec de la création d’un compte</a:t>
+              <a:t>Inscription sur le site pour un compte personnalisé </a:t>
             </a:r>
           </a:p>
           <a:p>
             <a:r>
-              <a:rPr lang="fr-FR" dirty="0" err="1"/>
-              <a:t>Features</a:t>
+              <a:rPr lang="fr-FR" dirty="0"/>
+              <a:t>Connexion au compte utilisateur créé </a:t>
             </a:r>
+          </a:p>
+          <a:p>
             <a:r>
               <a:rPr lang="fr-FR" dirty="0"/>
-              <a:t> to </a:t>
+              <a:t> Connexion du site web à la base de données </a:t>
             </a:r>
-            <a:r>
-              <a:rPr lang="fr-FR" dirty="0" err="1"/>
-              <a:t>be</a:t>
-            </a:r>
+          </a:p>
+          <a:p>
             <a:r>
               <a:rPr lang="fr-FR" dirty="0"/>
-              <a:t> </a:t>
+              <a:t>Ergonomie </a:t>
             </a:r>
-            <a:r>
-              <a:rPr lang="fr-FR" dirty="0" err="1"/>
-              <a:t>tested</a:t>
-            </a:r>
+          </a:p>
+          <a:p>
             <a:r>
               <a:rPr lang="fr-FR" dirty="0"/>
-              <a:t> : </a:t>
+              <a:t>Gestion des statistiques utilisateur </a:t>
             </a:r>
+          </a:p>
+          <a:p>
+            <a:r>
+              <a:rPr lang="fr-FR" dirty="0"/>
+              <a:t>Création de tables de tournoi automatisées </a:t>
+            </a:r>
+          </a:p>
+          <a:p>
+            <a:r>
+              <a:rPr lang="fr-FR" dirty="0"/>
+              <a:t>Gestion de tournoi </a:t>
+            </a:r>
+          </a:p>
+          <a:p>
+            <a:r>
+              <a:rPr lang="fr-FR" dirty="0"/>
+              <a:t>Inscription / désinscription à un tournoi </a:t>
+            </a:r>
+          </a:p>
+          <a:p>
+            <a:r>
+              <a:rPr lang="fr-FR" dirty="0"/>
+              <a:t>Gestion de la page d’accueil </a:t>
+            </a:r>
+          </a:p>
+          <a:p>
+            <a:r>
+              <a:rPr lang="fr-FR" dirty="0"/>
+              <a:t>Contacter les administrateurs </a:t>
+            </a:r>
+          </a:p>
+          <a:p>
+            <a:r>
+              <a:rPr lang="fr-FR" dirty="0"/>
+              <a:t>Gestion de compte utilisateur </a:t>
+            </a:r>
+          </a:p>
+          <a:p>
+            <a:endParaRPr lang="fr-FR" dirty="0"/>
+          </a:p>
+        </p:txBody>
+      </p:sp>
+      <p:sp>
+        <p:nvSpPr>
+          <p:cNvPr id="4" name="Espace réservé du contenu 2">
+            <a:extLst>
+              <a:ext uri="{FF2B5EF4-FFF2-40B4-BE49-F238E27FC236}">
+                <a16:creationId xmlns:a16="http://schemas.microsoft.com/office/drawing/2014/main" id="{D04773DB-E26C-4CFE-90EF-E0938FDD2268}"/>
+              </a:ext>
+            </a:extLst>
+          </p:cNvPr>
+          <p:cNvSpPr txBox="1">
+            <a:spLocks/>
+          </p:cNvSpPr>
+          <p:nvPr/>
+        </p:nvSpPr>
+        <p:spPr>
+          <a:xfrm>
+            <a:off x="6265307" y="2218892"/>
+            <a:ext cx="4405652" cy="1278910"/>
+          </a:xfrm>
+          <a:prstGeom prst="rect">
+            <a:avLst/>
+          </a:prstGeom>
+        </p:spPr>
+        <p:txBody>
+          <a:bodyPr vert="horz" lIns="91440" tIns="45720" rIns="91440" bIns="45720" rtlCol="0">
+            <a:normAutofit fontScale="62500" lnSpcReduction="20000"/>
+          </a:bodyPr>
+          <a:lstStyle>
+            <a:lvl1pPr marL="228600" indent="-228600" algn="l" defTabSz="914400" rtl="0" eaLnBrk="1" latinLnBrk="0" hangingPunct="1">
+              <a:lnSpc>
+                <a:spcPct val="120000"/>
+              </a:lnSpc>
+              <a:spcBef>
+                <a:spcPts val="1000"/>
+              </a:spcBef>
+              <a:buSzPct val="125000"/>
+              <a:buFont typeface="Arial" panose="020B0604020202020204" pitchFamily="34" charset="0"/>
+              <a:buChar char="•"/>
+              <a:defRPr sz="2400" kern="1200">
+                <a:solidFill>
+                  <a:schemeClr val="tx1"/>
+                </a:solidFill>
+                <a:latin typeface="+mn-lt"/>
+                <a:ea typeface="+mn-ea"/>
+                <a:cs typeface="+mn-cs"/>
+              </a:defRPr>
+            </a:lvl1pPr>
+            <a:lvl2pPr marL="685800" indent="-228600" algn="l" defTabSz="914400" rtl="0" eaLnBrk="1" latinLnBrk="0" hangingPunct="1">
+              <a:lnSpc>
+                <a:spcPct val="120000"/>
+              </a:lnSpc>
+              <a:spcBef>
+                <a:spcPts val="500"/>
+              </a:spcBef>
+              <a:buSzPct val="125000"/>
+              <a:buFont typeface="Arial" panose="020B0604020202020204" pitchFamily="34" charset="0"/>
+              <a:buChar char="•"/>
+              <a:defRPr sz="2000" kern="1200">
+                <a:solidFill>
+                  <a:schemeClr val="tx1"/>
+                </a:solidFill>
+                <a:latin typeface="+mn-lt"/>
+                <a:ea typeface="+mn-ea"/>
+                <a:cs typeface="+mn-cs"/>
+              </a:defRPr>
+            </a:lvl2pPr>
+            <a:lvl3pPr marL="1143000" indent="-228600" algn="l" defTabSz="914400" rtl="0" eaLnBrk="1" latinLnBrk="0" hangingPunct="1">
+              <a:lnSpc>
+                <a:spcPct val="120000"/>
+              </a:lnSpc>
+              <a:spcBef>
+                <a:spcPts val="500"/>
+              </a:spcBef>
+              <a:buSzPct val="125000"/>
+              <a:buFont typeface="Arial" panose="020B0604020202020204" pitchFamily="34" charset="0"/>
+              <a:buChar char="•"/>
+              <a:defRPr sz="1800" kern="1200">
+                <a:solidFill>
+                  <a:schemeClr val="tx1"/>
+                </a:solidFill>
+                <a:latin typeface="+mn-lt"/>
+                <a:ea typeface="+mn-ea"/>
+                <a:cs typeface="+mn-cs"/>
+              </a:defRPr>
+            </a:lvl3pPr>
+            <a:lvl4pPr marL="1600200" indent="-228600" algn="l" defTabSz="914400" rtl="0" eaLnBrk="1" latinLnBrk="0" hangingPunct="1">
+              <a:lnSpc>
+                <a:spcPct val="120000"/>
+              </a:lnSpc>
+              <a:spcBef>
+                <a:spcPts val="500"/>
+              </a:spcBef>
+              <a:buSzPct val="125000"/>
+              <a:buFont typeface="Arial" panose="020B0604020202020204" pitchFamily="34" charset="0"/>
+              <a:buChar char="•"/>
+              <a:defRPr sz="1600" kern="1200">
+                <a:solidFill>
+                  <a:schemeClr val="tx1"/>
+                </a:solidFill>
+                <a:latin typeface="+mn-lt"/>
+                <a:ea typeface="+mn-ea"/>
+                <a:cs typeface="+mn-cs"/>
+              </a:defRPr>
+            </a:lvl4pPr>
+            <a:lvl5pPr marL="2057400" indent="-228600" algn="l" defTabSz="914400" rtl="0" eaLnBrk="1" latinLnBrk="0" hangingPunct="1">
+              <a:lnSpc>
+                <a:spcPct val="120000"/>
+              </a:lnSpc>
+              <a:spcBef>
+                <a:spcPts val="500"/>
+              </a:spcBef>
+              <a:buSzPct val="125000"/>
+              <a:buFont typeface="Arial" panose="020B0604020202020204" pitchFamily="34" charset="0"/>
+              <a:buChar char="•"/>
+              <a:defRPr sz="1600" kern="1200">
+                <a:solidFill>
+                  <a:schemeClr val="tx1"/>
+                </a:solidFill>
+                <a:latin typeface="+mn-lt"/>
+                <a:ea typeface="+mn-ea"/>
+                <a:cs typeface="+mn-cs"/>
+              </a:defRPr>
+            </a:lvl5pPr>
+            <a:lvl6pPr marL="2514600" indent="-228600" algn="l" defTabSz="914400" rtl="0" eaLnBrk="1" latinLnBrk="0" hangingPunct="1">
+              <a:lnSpc>
+                <a:spcPct val="120000"/>
+              </a:lnSpc>
+              <a:spcBef>
+                <a:spcPts val="500"/>
+              </a:spcBef>
+              <a:buSzPct val="125000"/>
+              <a:buFont typeface="Arial" panose="020B0604020202020204" pitchFamily="34" charset="0"/>
+              <a:buChar char="•"/>
+              <a:defRPr sz="1400" kern="1200">
+                <a:solidFill>
+                  <a:schemeClr val="tx1"/>
+                </a:solidFill>
+                <a:latin typeface="+mn-lt"/>
+                <a:ea typeface="+mn-ea"/>
+                <a:cs typeface="+mn-cs"/>
+              </a:defRPr>
+            </a:lvl6pPr>
+            <a:lvl7pPr marL="2971800" indent="-228600" algn="l" defTabSz="914400" rtl="0" eaLnBrk="1" latinLnBrk="0" hangingPunct="1">
+              <a:lnSpc>
+                <a:spcPct val="120000"/>
+              </a:lnSpc>
+              <a:spcBef>
+                <a:spcPts val="500"/>
+              </a:spcBef>
+              <a:buSzPct val="125000"/>
+              <a:buFont typeface="Arial" panose="020B0604020202020204" pitchFamily="34" charset="0"/>
+              <a:buChar char="•"/>
+              <a:defRPr sz="1400" kern="1200">
+                <a:solidFill>
+                  <a:schemeClr val="tx1"/>
+                </a:solidFill>
+                <a:latin typeface="+mn-lt"/>
+                <a:ea typeface="+mn-ea"/>
+                <a:cs typeface="+mn-cs"/>
+              </a:defRPr>
+            </a:lvl7pPr>
+            <a:lvl8pPr marL="3429000" indent="-228600" algn="l" defTabSz="914400" rtl="0" eaLnBrk="1" latinLnBrk="0" hangingPunct="1">
+              <a:lnSpc>
+                <a:spcPct val="120000"/>
+              </a:lnSpc>
+              <a:spcBef>
+                <a:spcPts val="500"/>
+              </a:spcBef>
+              <a:buSzPct val="125000"/>
+              <a:buFont typeface="Arial" panose="020B0604020202020204" pitchFamily="34" charset="0"/>
+              <a:buChar char="•"/>
+              <a:defRPr sz="1400" kern="1200">
+                <a:solidFill>
+                  <a:schemeClr val="tx1"/>
+                </a:solidFill>
+                <a:latin typeface="+mn-lt"/>
+                <a:ea typeface="+mn-ea"/>
+                <a:cs typeface="+mn-cs"/>
+              </a:defRPr>
+            </a:lvl8pPr>
+            <a:lvl9pPr marL="3886200" indent="-228600" algn="l" defTabSz="914400" rtl="0" eaLnBrk="1" latinLnBrk="0" hangingPunct="1">
+              <a:lnSpc>
+                <a:spcPct val="120000"/>
+              </a:lnSpc>
+              <a:spcBef>
+                <a:spcPts val="500"/>
+              </a:spcBef>
+              <a:buSzPct val="125000"/>
+              <a:buFont typeface="Arial" panose="020B0604020202020204" pitchFamily="34" charset="0"/>
+              <a:buChar char="•"/>
+              <a:defRPr sz="1400" kern="1200">
+                <a:solidFill>
+                  <a:schemeClr val="tx1"/>
+                </a:solidFill>
+                <a:latin typeface="+mn-lt"/>
+                <a:ea typeface="+mn-ea"/>
+                <a:cs typeface="+mn-cs"/>
+              </a:defRPr>
+            </a:lvl9pPr>
+          </a:lstStyle>
+          <a:p>
+            <a:pPr marL="0" indent="0">
+              <a:buFont typeface="Arial" panose="020B0604020202020204" pitchFamily="34" charset="0"/>
+              <a:buNone/>
+            </a:pPr>
+            <a:r>
+              <a:rPr lang="fr-FR" dirty="0"/>
+              <a:t>Features not to be tested :</a:t>
+            </a:r>
+          </a:p>
+          <a:p>
+            <a:r>
+              <a:rPr lang="fr-FR" dirty="0"/>
+              <a:t>Récupération de données de Facebook pour intégration sur la page d’accueil</a:t>
+            </a:r>
+          </a:p>
+          <a:p>
+            <a:r>
+              <a:rPr lang="fr-FR" dirty="0"/>
+              <a:t>Gestion de la charge</a:t>
+            </a:r>
+          </a:p>
+          <a:p>
+            <a:endParaRPr lang="fr-FR" dirty="0"/>
+          </a:p>
+        </p:txBody>
+      </p:sp>
+      <p:sp>
+        <p:nvSpPr>
+          <p:cNvPr id="5" name="Espace réservé du contenu 2">
+            <a:extLst>
+              <a:ext uri="{FF2B5EF4-FFF2-40B4-BE49-F238E27FC236}">
+                <a16:creationId xmlns:a16="http://schemas.microsoft.com/office/drawing/2014/main" id="{06C20434-4751-4382-B6D3-1C92445ADF97}"/>
+              </a:ext>
+            </a:extLst>
+          </p:cNvPr>
+          <p:cNvSpPr txBox="1">
+            <a:spLocks/>
+          </p:cNvSpPr>
+          <p:nvPr/>
+        </p:nvSpPr>
+        <p:spPr>
+          <a:xfrm>
+            <a:off x="6265307" y="3660511"/>
+            <a:ext cx="4405652" cy="2130690"/>
+          </a:xfrm>
+          <a:prstGeom prst="rect">
+            <a:avLst/>
+          </a:prstGeom>
+        </p:spPr>
+        <p:txBody>
+          <a:bodyPr vert="horz" lIns="91440" tIns="45720" rIns="91440" bIns="45720" rtlCol="0">
+            <a:normAutofit fontScale="62500" lnSpcReduction="20000"/>
+          </a:bodyPr>
+          <a:lstStyle>
+            <a:lvl1pPr marL="228600" indent="-228600" algn="l" defTabSz="914400" rtl="0" eaLnBrk="1" latinLnBrk="0" hangingPunct="1">
+              <a:lnSpc>
+                <a:spcPct val="120000"/>
+              </a:lnSpc>
+              <a:spcBef>
+                <a:spcPts val="1000"/>
+              </a:spcBef>
+              <a:buSzPct val="125000"/>
+              <a:buFont typeface="Arial" panose="020B0604020202020204" pitchFamily="34" charset="0"/>
+              <a:buChar char="•"/>
+              <a:defRPr sz="2400" kern="1200">
+                <a:solidFill>
+                  <a:schemeClr val="tx1"/>
+                </a:solidFill>
+                <a:latin typeface="+mn-lt"/>
+                <a:ea typeface="+mn-ea"/>
+                <a:cs typeface="+mn-cs"/>
+              </a:defRPr>
+            </a:lvl1pPr>
+            <a:lvl2pPr marL="685800" indent="-228600" algn="l" defTabSz="914400" rtl="0" eaLnBrk="1" latinLnBrk="0" hangingPunct="1">
+              <a:lnSpc>
+                <a:spcPct val="120000"/>
+              </a:lnSpc>
+              <a:spcBef>
+                <a:spcPts val="500"/>
+              </a:spcBef>
+              <a:buSzPct val="125000"/>
+              <a:buFont typeface="Arial" panose="020B0604020202020204" pitchFamily="34" charset="0"/>
+              <a:buChar char="•"/>
+              <a:defRPr sz="2000" kern="1200">
+                <a:solidFill>
+                  <a:schemeClr val="tx1"/>
+                </a:solidFill>
+                <a:latin typeface="+mn-lt"/>
+                <a:ea typeface="+mn-ea"/>
+                <a:cs typeface="+mn-cs"/>
+              </a:defRPr>
+            </a:lvl2pPr>
+            <a:lvl3pPr marL="1143000" indent="-228600" algn="l" defTabSz="914400" rtl="0" eaLnBrk="1" latinLnBrk="0" hangingPunct="1">
+              <a:lnSpc>
+                <a:spcPct val="120000"/>
+              </a:lnSpc>
+              <a:spcBef>
+                <a:spcPts val="500"/>
+              </a:spcBef>
+              <a:buSzPct val="125000"/>
+              <a:buFont typeface="Arial" panose="020B0604020202020204" pitchFamily="34" charset="0"/>
+              <a:buChar char="•"/>
+              <a:defRPr sz="1800" kern="1200">
+                <a:solidFill>
+                  <a:schemeClr val="tx1"/>
+                </a:solidFill>
+                <a:latin typeface="+mn-lt"/>
+                <a:ea typeface="+mn-ea"/>
+                <a:cs typeface="+mn-cs"/>
+              </a:defRPr>
+            </a:lvl3pPr>
+            <a:lvl4pPr marL="1600200" indent="-228600" algn="l" defTabSz="914400" rtl="0" eaLnBrk="1" latinLnBrk="0" hangingPunct="1">
+              <a:lnSpc>
+                <a:spcPct val="120000"/>
+              </a:lnSpc>
+              <a:spcBef>
+                <a:spcPts val="500"/>
+              </a:spcBef>
+              <a:buSzPct val="125000"/>
+              <a:buFont typeface="Arial" panose="020B0604020202020204" pitchFamily="34" charset="0"/>
+              <a:buChar char="•"/>
+              <a:defRPr sz="1600" kern="1200">
+                <a:solidFill>
+                  <a:schemeClr val="tx1"/>
+                </a:solidFill>
+                <a:latin typeface="+mn-lt"/>
+                <a:ea typeface="+mn-ea"/>
+                <a:cs typeface="+mn-cs"/>
+              </a:defRPr>
+            </a:lvl4pPr>
+            <a:lvl5pPr marL="2057400" indent="-228600" algn="l" defTabSz="914400" rtl="0" eaLnBrk="1" latinLnBrk="0" hangingPunct="1">
+              <a:lnSpc>
+                <a:spcPct val="120000"/>
+              </a:lnSpc>
+              <a:spcBef>
+                <a:spcPts val="500"/>
+              </a:spcBef>
+              <a:buSzPct val="125000"/>
+              <a:buFont typeface="Arial" panose="020B0604020202020204" pitchFamily="34" charset="0"/>
+              <a:buChar char="•"/>
+              <a:defRPr sz="1600" kern="1200">
+                <a:solidFill>
+                  <a:schemeClr val="tx1"/>
+                </a:solidFill>
+                <a:latin typeface="+mn-lt"/>
+                <a:ea typeface="+mn-ea"/>
+                <a:cs typeface="+mn-cs"/>
+              </a:defRPr>
+            </a:lvl5pPr>
+            <a:lvl6pPr marL="2514600" indent="-228600" algn="l" defTabSz="914400" rtl="0" eaLnBrk="1" latinLnBrk="0" hangingPunct="1">
+              <a:lnSpc>
+                <a:spcPct val="120000"/>
+              </a:lnSpc>
+              <a:spcBef>
+                <a:spcPts val="500"/>
+              </a:spcBef>
+              <a:buSzPct val="125000"/>
+              <a:buFont typeface="Arial" panose="020B0604020202020204" pitchFamily="34" charset="0"/>
+              <a:buChar char="•"/>
+              <a:defRPr sz="1400" kern="1200">
+                <a:solidFill>
+                  <a:schemeClr val="tx1"/>
+                </a:solidFill>
+                <a:latin typeface="+mn-lt"/>
+                <a:ea typeface="+mn-ea"/>
+                <a:cs typeface="+mn-cs"/>
+              </a:defRPr>
+            </a:lvl6pPr>
+            <a:lvl7pPr marL="2971800" indent="-228600" algn="l" defTabSz="914400" rtl="0" eaLnBrk="1" latinLnBrk="0" hangingPunct="1">
+              <a:lnSpc>
+                <a:spcPct val="120000"/>
+              </a:lnSpc>
+              <a:spcBef>
+                <a:spcPts val="500"/>
+              </a:spcBef>
+              <a:buSzPct val="125000"/>
+              <a:buFont typeface="Arial" panose="020B0604020202020204" pitchFamily="34" charset="0"/>
+              <a:buChar char="•"/>
+              <a:defRPr sz="1400" kern="1200">
+                <a:solidFill>
+                  <a:schemeClr val="tx1"/>
+                </a:solidFill>
+                <a:latin typeface="+mn-lt"/>
+                <a:ea typeface="+mn-ea"/>
+                <a:cs typeface="+mn-cs"/>
+              </a:defRPr>
+            </a:lvl7pPr>
+            <a:lvl8pPr marL="3429000" indent="-228600" algn="l" defTabSz="914400" rtl="0" eaLnBrk="1" latinLnBrk="0" hangingPunct="1">
+              <a:lnSpc>
+                <a:spcPct val="120000"/>
+              </a:lnSpc>
+              <a:spcBef>
+                <a:spcPts val="500"/>
+              </a:spcBef>
+              <a:buSzPct val="125000"/>
+              <a:buFont typeface="Arial" panose="020B0604020202020204" pitchFamily="34" charset="0"/>
+              <a:buChar char="•"/>
+              <a:defRPr sz="1400" kern="1200">
+                <a:solidFill>
+                  <a:schemeClr val="tx1"/>
+                </a:solidFill>
+                <a:latin typeface="+mn-lt"/>
+                <a:ea typeface="+mn-ea"/>
+                <a:cs typeface="+mn-cs"/>
+              </a:defRPr>
+            </a:lvl8pPr>
+            <a:lvl9pPr marL="3886200" indent="-228600" algn="l" defTabSz="914400" rtl="0" eaLnBrk="1" latinLnBrk="0" hangingPunct="1">
+              <a:lnSpc>
+                <a:spcPct val="120000"/>
+              </a:lnSpc>
+              <a:spcBef>
+                <a:spcPts val="500"/>
+              </a:spcBef>
+              <a:buSzPct val="125000"/>
+              <a:buFont typeface="Arial" panose="020B0604020202020204" pitchFamily="34" charset="0"/>
+              <a:buChar char="•"/>
+              <a:defRPr sz="1400" kern="1200">
+                <a:solidFill>
+                  <a:schemeClr val="tx1"/>
+                </a:solidFill>
+                <a:latin typeface="+mn-lt"/>
+                <a:ea typeface="+mn-ea"/>
+                <a:cs typeface="+mn-cs"/>
+              </a:defRPr>
+            </a:lvl9pPr>
+          </a:lstStyle>
+          <a:p>
+            <a:pPr marL="0" indent="0">
+              <a:buFont typeface="Arial" panose="020B0604020202020204" pitchFamily="34" charset="0"/>
+              <a:buNone/>
+            </a:pPr>
+            <a:r>
+              <a:rPr lang="fr-FR" dirty="0"/>
+              <a:t>Methods :</a:t>
+            </a:r>
+          </a:p>
+          <a:p>
+            <a:r>
+              <a:rPr lang="fr-FR" dirty="0"/>
+              <a:t>Automatisation des tests avec Sélénium IDE</a:t>
+            </a:r>
+          </a:p>
+          <a:p>
+            <a:r>
+              <a:rPr lang="fr-FR" dirty="0"/>
+              <a:t>Interface d’administration de Heroku</a:t>
+            </a:r>
+          </a:p>
+          <a:p>
+            <a:r>
+              <a:rPr lang="fr-FR" dirty="0"/>
+              <a:t>Tierce personne pour les tests IHM</a:t>
+            </a:r>
+          </a:p>
+          <a:p>
+            <a:r>
+              <a:rPr lang="fr-FR" dirty="0"/>
+              <a:t>Logiciel permettant de simuler plusieurs connexions sur le site web</a:t>
+            </a:r>
+          </a:p>
+          <a:p>
+            <a:endParaRPr lang="fr-FR" dirty="0"/>
+          </a:p>
+          <a:p>
+            <a:endParaRPr lang="fr-FR" dirty="0"/>
           </a:p>
         </p:txBody>
       </p:sp>
@@ -18329,7 +18841,12 @@
             <p:ph type="title"/>
           </p:nvPr>
         </p:nvSpPr>
-        <p:spPr/>
+        <p:spPr>
+          <a:xfrm>
+            <a:off x="3053495" y="742805"/>
+            <a:ext cx="6085010" cy="739765"/>
+          </a:xfrm>
+        </p:spPr>
         <p:txBody>
           <a:bodyPr/>
           <a:lstStyle/>
@@ -18376,10 +18893,402 @@
           </a:prstGeom>
         </p:spPr>
       </p:pic>
+      <p:sp>
+        <p:nvSpPr>
+          <p:cNvPr id="3" name="ZoneTexte 2">
+            <a:extLst>
+              <a:ext uri="{FF2B5EF4-FFF2-40B4-BE49-F238E27FC236}">
+                <a16:creationId xmlns:a16="http://schemas.microsoft.com/office/drawing/2014/main" id="{CD5EC145-1CBF-4362-BA7C-609614A9474F}"/>
+              </a:ext>
+            </a:extLst>
+          </p:cNvPr>
+          <p:cNvSpPr txBox="1"/>
+          <p:nvPr/>
+        </p:nvSpPr>
+        <p:spPr>
+          <a:xfrm>
+            <a:off x="7048871" y="2024109"/>
+            <a:ext cx="1189608" cy="369332"/>
+          </a:xfrm>
+          <a:prstGeom prst="rect">
+            <a:avLst/>
+          </a:prstGeom>
+          <a:noFill/>
+        </p:spPr>
+        <p:txBody>
+          <a:bodyPr wrap="square" rtlCol="0">
+            <a:spAutoFit/>
+          </a:bodyPr>
+          <a:lstStyle/>
+          <a:p>
+            <a:r>
+              <a:rPr lang="fr-FR" dirty="0"/>
+              <a:t>Aujourd’hui</a:t>
+            </a:r>
+          </a:p>
+        </p:txBody>
+      </p:sp>
+      <p:sp>
+        <p:nvSpPr>
+          <p:cNvPr id="5" name="ZoneTexte 4">
+            <a:extLst>
+              <a:ext uri="{FF2B5EF4-FFF2-40B4-BE49-F238E27FC236}">
+                <a16:creationId xmlns:a16="http://schemas.microsoft.com/office/drawing/2014/main" id="{689739CA-6931-4543-8E1D-3E58D649C5A8}"/>
+              </a:ext>
+            </a:extLst>
+          </p:cNvPr>
+          <p:cNvSpPr txBox="1"/>
+          <p:nvPr/>
+        </p:nvSpPr>
+        <p:spPr>
+          <a:xfrm>
+            <a:off x="8994560" y="2001901"/>
+            <a:ext cx="1189608" cy="369332"/>
+          </a:xfrm>
+          <a:prstGeom prst="rect">
+            <a:avLst/>
+          </a:prstGeom>
+          <a:noFill/>
+        </p:spPr>
+        <p:txBody>
+          <a:bodyPr wrap="square" rtlCol="0">
+            <a:spAutoFit/>
+          </a:bodyPr>
+          <a:lstStyle/>
+          <a:p>
+            <a:r>
+              <a:rPr lang="fr-FR" dirty="0"/>
+              <a:t>23/02/18</a:t>
+            </a:r>
+          </a:p>
+        </p:txBody>
+      </p:sp>
+      <p:sp>
+        <p:nvSpPr>
+          <p:cNvPr id="6" name="ZoneTexte 5">
+            <a:extLst>
+              <a:ext uri="{FF2B5EF4-FFF2-40B4-BE49-F238E27FC236}">
+                <a16:creationId xmlns:a16="http://schemas.microsoft.com/office/drawing/2014/main" id="{4890A44F-A546-484A-A2C7-8BAD555C5F87}"/>
+              </a:ext>
+            </a:extLst>
+          </p:cNvPr>
+          <p:cNvSpPr txBox="1"/>
+          <p:nvPr/>
+        </p:nvSpPr>
+        <p:spPr>
+          <a:xfrm>
+            <a:off x="10558759" y="2001901"/>
+            <a:ext cx="1189608" cy="369332"/>
+          </a:xfrm>
+          <a:prstGeom prst="rect">
+            <a:avLst/>
+          </a:prstGeom>
+          <a:noFill/>
+        </p:spPr>
+        <p:txBody>
+          <a:bodyPr wrap="square" rtlCol="0">
+            <a:spAutoFit/>
+          </a:bodyPr>
+          <a:lstStyle/>
+          <a:p>
+            <a:r>
+              <a:rPr lang="fr-FR" dirty="0"/>
+              <a:t>17/04/18</a:t>
+            </a:r>
+          </a:p>
+        </p:txBody>
+      </p:sp>
+      <p:cxnSp>
+        <p:nvCxnSpPr>
+          <p:cNvPr id="8" name="Connecteur droit avec flèche 7">
+            <a:extLst>
+              <a:ext uri="{FF2B5EF4-FFF2-40B4-BE49-F238E27FC236}">
+                <a16:creationId xmlns:a16="http://schemas.microsoft.com/office/drawing/2014/main" id="{1001B04A-BAF6-499F-8862-D58D17C11DB3}"/>
+              </a:ext>
+            </a:extLst>
+          </p:cNvPr>
+          <p:cNvCxnSpPr>
+            <a:cxnSpLocks/>
+          </p:cNvCxnSpPr>
+          <p:nvPr/>
+        </p:nvCxnSpPr>
+        <p:spPr>
+          <a:xfrm flipV="1">
+            <a:off x="9359033" y="5344357"/>
+            <a:ext cx="407884" cy="585926"/>
+          </a:xfrm>
+          <a:prstGeom prst="straightConnector1">
+            <a:avLst/>
+          </a:prstGeom>
+          <a:ln>
+            <a:tailEnd type="triangle"/>
+          </a:ln>
+        </p:spPr>
+        <p:style>
+          <a:lnRef idx="1">
+            <a:schemeClr val="accent1"/>
+          </a:lnRef>
+          <a:fillRef idx="0">
+            <a:schemeClr val="accent1"/>
+          </a:fillRef>
+          <a:effectRef idx="0">
+            <a:schemeClr val="accent1"/>
+          </a:effectRef>
+          <a:fontRef idx="minor">
+            <a:schemeClr val="tx1"/>
+          </a:fontRef>
+        </p:style>
+      </p:cxnSp>
+      <p:cxnSp>
+        <p:nvCxnSpPr>
+          <p:cNvPr id="10" name="Connecteur droit avec flèche 9">
+            <a:extLst>
+              <a:ext uri="{FF2B5EF4-FFF2-40B4-BE49-F238E27FC236}">
+                <a16:creationId xmlns:a16="http://schemas.microsoft.com/office/drawing/2014/main" id="{15978B50-974D-4A04-8DEA-7428E0FB81E8}"/>
+              </a:ext>
+            </a:extLst>
+          </p:cNvPr>
+          <p:cNvCxnSpPr>
+            <a:cxnSpLocks/>
+          </p:cNvCxnSpPr>
+          <p:nvPr/>
+        </p:nvCxnSpPr>
+        <p:spPr>
+          <a:xfrm flipV="1">
+            <a:off x="10768614" y="5344357"/>
+            <a:ext cx="497149" cy="585927"/>
+          </a:xfrm>
+          <a:prstGeom prst="straightConnector1">
+            <a:avLst/>
+          </a:prstGeom>
+          <a:ln>
+            <a:tailEnd type="triangle"/>
+          </a:ln>
+        </p:spPr>
+        <p:style>
+          <a:lnRef idx="1">
+            <a:schemeClr val="accent1"/>
+          </a:lnRef>
+          <a:fillRef idx="0">
+            <a:schemeClr val="accent1"/>
+          </a:fillRef>
+          <a:effectRef idx="0">
+            <a:schemeClr val="accent1"/>
+          </a:effectRef>
+          <a:fontRef idx="minor">
+            <a:schemeClr val="tx1"/>
+          </a:fontRef>
+        </p:style>
+      </p:cxnSp>
+      <p:sp>
+        <p:nvSpPr>
+          <p:cNvPr id="11" name="ZoneTexte 10">
+            <a:extLst>
+              <a:ext uri="{FF2B5EF4-FFF2-40B4-BE49-F238E27FC236}">
+                <a16:creationId xmlns:a16="http://schemas.microsoft.com/office/drawing/2014/main" id="{55D8C642-1263-446B-9B1E-CDF19F156231}"/>
+              </a:ext>
+            </a:extLst>
+          </p:cNvPr>
+          <p:cNvSpPr txBox="1"/>
+          <p:nvPr/>
+        </p:nvSpPr>
+        <p:spPr>
+          <a:xfrm>
+            <a:off x="8637972" y="5868139"/>
+            <a:ext cx="710214" cy="369332"/>
+          </a:xfrm>
+          <a:prstGeom prst="rect">
+            <a:avLst/>
+          </a:prstGeom>
+        </p:spPr>
+        <p:style>
+          <a:lnRef idx="2">
+            <a:schemeClr val="dk1"/>
+          </a:lnRef>
+          <a:fillRef idx="1">
+            <a:schemeClr val="lt1"/>
+          </a:fillRef>
+          <a:effectRef idx="0">
+            <a:schemeClr val="dk1"/>
+          </a:effectRef>
+          <a:fontRef idx="minor">
+            <a:schemeClr val="dk1"/>
+          </a:fontRef>
+        </p:style>
+        <p:txBody>
+          <a:bodyPr wrap="square" rtlCol="0">
+            <a:spAutoFit/>
+          </a:bodyPr>
+          <a:lstStyle/>
+          <a:p>
+            <a:r>
+              <a:rPr lang="fr-FR" dirty="0">
+                <a:solidFill>
+                  <a:srgbClr val="FF0000"/>
+                </a:solidFill>
+              </a:rPr>
+              <a:t>Lot 1</a:t>
+            </a:r>
+          </a:p>
+        </p:txBody>
+      </p:sp>
+      <p:sp>
+        <p:nvSpPr>
+          <p:cNvPr id="12" name="ZoneTexte 11">
+            <a:extLst>
+              <a:ext uri="{FF2B5EF4-FFF2-40B4-BE49-F238E27FC236}">
+                <a16:creationId xmlns:a16="http://schemas.microsoft.com/office/drawing/2014/main" id="{E079904B-3F97-4BE6-8E77-208AD8031200}"/>
+              </a:ext>
+            </a:extLst>
+          </p:cNvPr>
+          <p:cNvSpPr txBox="1"/>
+          <p:nvPr/>
+        </p:nvSpPr>
+        <p:spPr>
+          <a:xfrm>
+            <a:off x="10058400" y="5868139"/>
+            <a:ext cx="710214" cy="369332"/>
+          </a:xfrm>
+          <a:prstGeom prst="rect">
+            <a:avLst/>
+          </a:prstGeom>
+        </p:spPr>
+        <p:style>
+          <a:lnRef idx="2">
+            <a:schemeClr val="dk1"/>
+          </a:lnRef>
+          <a:fillRef idx="1">
+            <a:schemeClr val="lt1"/>
+          </a:fillRef>
+          <a:effectRef idx="0">
+            <a:schemeClr val="dk1"/>
+          </a:effectRef>
+          <a:fontRef idx="minor">
+            <a:schemeClr val="dk1"/>
+          </a:fontRef>
+        </p:style>
+        <p:txBody>
+          <a:bodyPr wrap="square" rtlCol="0">
+            <a:spAutoFit/>
+          </a:bodyPr>
+          <a:lstStyle/>
+          <a:p>
+            <a:r>
+              <a:rPr lang="fr-FR" dirty="0">
+                <a:solidFill>
+                  <a:srgbClr val="FF0000"/>
+                </a:solidFill>
+              </a:rPr>
+              <a:t>Lot 2</a:t>
+            </a:r>
+          </a:p>
+        </p:txBody>
+      </p:sp>
     </p:spTree>
     <p:extLst>
       <p:ext uri="{BB962C8B-B14F-4D97-AF65-F5344CB8AC3E}">
         <p14:creationId xmlns:p14="http://schemas.microsoft.com/office/powerpoint/2010/main" val="2050888973"/>
+      </p:ext>
+    </p:extLst>
+  </p:cSld>
+  <p:clrMapOvr>
+    <a:masterClrMapping/>
+  </p:clrMapOvr>
+</p:sld>
+</file>
+
+<file path=ppt/slides/slide14.xml><?xml version="1.0" encoding="utf-8"?>
+<p:sld xmlns:a="http://schemas.openxmlformats.org/drawingml/2006/main" xmlns:r="http://schemas.openxmlformats.org/officeDocument/2006/relationships" xmlns:p="http://schemas.openxmlformats.org/presentationml/2006/main">
+  <p:cSld>
+    <p:spTree>
+      <p:nvGrpSpPr>
+        <p:cNvPr id="1" name=""/>
+        <p:cNvGrpSpPr/>
+        <p:nvPr/>
+      </p:nvGrpSpPr>
+      <p:grpSpPr>
+        <a:xfrm>
+          <a:off x="0" y="0"/>
+          <a:ext cx="0" cy="0"/>
+          <a:chOff x="0" y="0"/>
+          <a:chExt cx="0" cy="0"/>
+        </a:xfrm>
+      </p:grpSpPr>
+      <p:sp>
+        <p:nvSpPr>
+          <p:cNvPr id="2" name="Titre 1">
+            <a:extLst>
+              <a:ext uri="{FF2B5EF4-FFF2-40B4-BE49-F238E27FC236}">
+                <a16:creationId xmlns:a16="http://schemas.microsoft.com/office/drawing/2014/main" id="{3C2CDCFB-423C-4369-9D4F-A91246AAF14A}"/>
+              </a:ext>
+            </a:extLst>
+          </p:cNvPr>
+          <p:cNvSpPr>
+            <a:spLocks noGrp="1"/>
+          </p:cNvSpPr>
+          <p:nvPr>
+            <p:ph type="title"/>
+          </p:nvPr>
+        </p:nvSpPr>
+        <p:spPr/>
+        <p:txBody>
+          <a:bodyPr>
+            <a:normAutofit/>
+          </a:bodyPr>
+          <a:lstStyle/>
+          <a:p>
+            <a:pPr algn="ctr"/>
+            <a:r>
+              <a:rPr lang="fr-FR" sz="5400" dirty="0">
+                <a:latin typeface="Algerian" panose="04020705040A02060702" pitchFamily="82" charset="0"/>
+              </a:rPr>
+              <a:t>FIN</a:t>
+            </a:r>
+          </a:p>
+        </p:txBody>
+      </p:sp>
+      <p:sp>
+        <p:nvSpPr>
+          <p:cNvPr id="3" name="Espace réservé du contenu 2">
+            <a:extLst>
+              <a:ext uri="{FF2B5EF4-FFF2-40B4-BE49-F238E27FC236}">
+                <a16:creationId xmlns:a16="http://schemas.microsoft.com/office/drawing/2014/main" id="{5F65E3AE-81FB-48FE-A996-0560380312A6}"/>
+              </a:ext>
+            </a:extLst>
+          </p:cNvPr>
+          <p:cNvSpPr>
+            <a:spLocks noGrp="1"/>
+          </p:cNvSpPr>
+          <p:nvPr>
+            <p:ph idx="1"/>
+          </p:nvPr>
+        </p:nvSpPr>
+        <p:spPr>
+          <a:xfrm>
+            <a:off x="3337580" y="2950823"/>
+            <a:ext cx="5516839" cy="786676"/>
+          </a:xfrm>
+        </p:spPr>
+        <p:txBody>
+          <a:bodyPr>
+            <a:normAutofit/>
+          </a:bodyPr>
+          <a:lstStyle/>
+          <a:p>
+            <a:pPr marL="0" indent="0" algn="ctr">
+              <a:buNone/>
+            </a:pPr>
+            <a:r>
+              <a:rPr lang="fr-FR" sz="3600" dirty="0"/>
+              <a:t>Avez-vous des questions ? </a:t>
+            </a:r>
+          </a:p>
+        </p:txBody>
+      </p:sp>
+    </p:spTree>
+    <p:extLst>
+      <p:ext uri="{BB962C8B-B14F-4D97-AF65-F5344CB8AC3E}">
+        <p14:creationId xmlns:p14="http://schemas.microsoft.com/office/powerpoint/2010/main" val="1688395804"/>
       </p:ext>
     </p:extLst>
   </p:cSld>
@@ -18523,7 +19432,7 @@
           <a:noFill/>
           <a:extLst>
             <a:ext uri="{909E8E84-426E-40dd-AFC4-6F175D3DCCD1}">
-              <a14:hiddenFill xmlns:a14="http://schemas.microsoft.com/office/drawing/2010/main" xmlns:dgm="http://schemas.openxmlformats.org/drawingml/2006/diagram" xmlns:p14="http://schemas.microsoft.com/office/powerpoint/2010/main" xmlns="">
+              <a14:hiddenFill xmlns="" xmlns:p14="http://schemas.microsoft.com/office/powerpoint/2010/main" xmlns:dgm="http://schemas.openxmlformats.org/drawingml/2006/diagram" xmlns:a14="http://schemas.microsoft.com/office/drawing/2010/main">
                 <a:solidFill>
                   <a:srgbClr val="FFFFFF"/>
                 </a:solidFill>
@@ -18609,7 +19518,7 @@
             </a:ln>
             <a:extLst>
               <a:ext uri="{91240B29-F687-4f45-9708-019B960494DF}">
-                <a14:hiddenLine xmlns:a14="http://schemas.microsoft.com/office/drawing/2010/main" xmlns:dgm="http://schemas.openxmlformats.org/drawingml/2006/diagram" xmlns:p14="http://schemas.microsoft.com/office/powerpoint/2010/main" xmlns="" w="9525">
+                <a14:hiddenLine xmlns="" xmlns:p14="http://schemas.microsoft.com/office/powerpoint/2010/main" xmlns:dgm="http://schemas.openxmlformats.org/drawingml/2006/diagram" xmlns:a14="http://schemas.microsoft.com/office/drawing/2010/main" w="9525">
                   <a:solidFill>
                     <a:srgbClr val="000000"/>
                   </a:solidFill>
@@ -18711,7 +19620,7 @@
             </a:ln>
             <a:extLst>
               <a:ext uri="{91240B29-F687-4f45-9708-019B960494DF}">
-                <a14:hiddenLine xmlns:a14="http://schemas.microsoft.com/office/drawing/2010/main" xmlns:dgm="http://schemas.openxmlformats.org/drawingml/2006/diagram" xmlns:p14="http://schemas.microsoft.com/office/powerpoint/2010/main" xmlns="" w="9525">
+                <a14:hiddenLine xmlns="" xmlns:p14="http://schemas.microsoft.com/office/powerpoint/2010/main" xmlns:dgm="http://schemas.openxmlformats.org/drawingml/2006/diagram" xmlns:a14="http://schemas.microsoft.com/office/drawing/2010/main" w="9525">
                   <a:solidFill>
                     <a:srgbClr val="000000"/>
                   </a:solidFill>
@@ -18813,7 +19722,7 @@
             </a:ln>
             <a:extLst>
               <a:ext uri="{91240B29-F687-4f45-9708-019B960494DF}">
-                <a14:hiddenLine xmlns:a14="http://schemas.microsoft.com/office/drawing/2010/main" xmlns:dgm="http://schemas.openxmlformats.org/drawingml/2006/diagram" xmlns:p14="http://schemas.microsoft.com/office/powerpoint/2010/main" xmlns="" w="9525">
+                <a14:hiddenLine xmlns="" xmlns:p14="http://schemas.microsoft.com/office/powerpoint/2010/main" xmlns:dgm="http://schemas.openxmlformats.org/drawingml/2006/diagram" xmlns:a14="http://schemas.microsoft.com/office/drawing/2010/main" w="9525">
                   <a:solidFill>
                     <a:srgbClr val="000000"/>
                   </a:solidFill>
@@ -18887,7 +19796,7 @@
             </a:ln>
             <a:extLst>
               <a:ext uri="{91240B29-F687-4f45-9708-019B960494DF}">
-                <a14:hiddenLine xmlns:a14="http://schemas.microsoft.com/office/drawing/2010/main" xmlns:dgm="http://schemas.openxmlformats.org/drawingml/2006/diagram" xmlns:p14="http://schemas.microsoft.com/office/powerpoint/2010/main" xmlns="" w="9525">
+                <a14:hiddenLine xmlns="" xmlns:p14="http://schemas.microsoft.com/office/powerpoint/2010/main" xmlns:dgm="http://schemas.openxmlformats.org/drawingml/2006/diagram" xmlns:a14="http://schemas.microsoft.com/office/drawing/2010/main" w="9525">
                   <a:solidFill>
                     <a:srgbClr val="000000"/>
                   </a:solidFill>
@@ -18989,7 +19898,7 @@
             </a:ln>
             <a:extLst>
               <a:ext uri="{91240B29-F687-4f45-9708-019B960494DF}">
-                <a14:hiddenLine xmlns:a14="http://schemas.microsoft.com/office/drawing/2010/main" xmlns:dgm="http://schemas.openxmlformats.org/drawingml/2006/diagram" xmlns:p14="http://schemas.microsoft.com/office/powerpoint/2010/main" xmlns="" w="9525">
+                <a14:hiddenLine xmlns="" xmlns:p14="http://schemas.microsoft.com/office/powerpoint/2010/main" xmlns:dgm="http://schemas.openxmlformats.org/drawingml/2006/diagram" xmlns:a14="http://schemas.microsoft.com/office/drawing/2010/main" w="9525">
                   <a:solidFill>
                     <a:srgbClr val="000000"/>
                   </a:solidFill>
@@ -19063,7 +19972,7 @@
             </a:ln>
             <a:extLst>
               <a:ext uri="{91240B29-F687-4f45-9708-019B960494DF}">
-                <a14:hiddenLine xmlns:a14="http://schemas.microsoft.com/office/drawing/2010/main" xmlns:dgm="http://schemas.openxmlformats.org/drawingml/2006/diagram" xmlns:p14="http://schemas.microsoft.com/office/powerpoint/2010/main" xmlns="" w="9525">
+                <a14:hiddenLine xmlns="" xmlns:p14="http://schemas.microsoft.com/office/powerpoint/2010/main" xmlns:dgm="http://schemas.openxmlformats.org/drawingml/2006/diagram" xmlns:a14="http://schemas.microsoft.com/office/drawing/2010/main" w="9525">
                   <a:solidFill>
                     <a:srgbClr val="000000"/>
                   </a:solidFill>
@@ -19137,7 +20046,7 @@
             </a:ln>
             <a:extLst>
               <a:ext uri="{91240B29-F687-4f45-9708-019B960494DF}">
-                <a14:hiddenLine xmlns:a14="http://schemas.microsoft.com/office/drawing/2010/main" xmlns:dgm="http://schemas.openxmlformats.org/drawingml/2006/diagram" xmlns:p14="http://schemas.microsoft.com/office/powerpoint/2010/main" xmlns="" w="9525">
+                <a14:hiddenLine xmlns="" xmlns:p14="http://schemas.microsoft.com/office/powerpoint/2010/main" xmlns:dgm="http://schemas.openxmlformats.org/drawingml/2006/diagram" xmlns:a14="http://schemas.microsoft.com/office/drawing/2010/main" w="9525">
                   <a:solidFill>
                     <a:srgbClr val="000000"/>
                   </a:solidFill>
@@ -19239,7 +20148,7 @@
             </a:ln>
             <a:extLst>
               <a:ext uri="{91240B29-F687-4f45-9708-019B960494DF}">
-                <a14:hiddenLine xmlns:a14="http://schemas.microsoft.com/office/drawing/2010/main" xmlns:dgm="http://schemas.openxmlformats.org/drawingml/2006/diagram" xmlns:p14="http://schemas.microsoft.com/office/powerpoint/2010/main" xmlns="" w="9525">
+                <a14:hiddenLine xmlns="" xmlns:p14="http://schemas.microsoft.com/office/powerpoint/2010/main" xmlns:dgm="http://schemas.openxmlformats.org/drawingml/2006/diagram" xmlns:a14="http://schemas.microsoft.com/office/drawing/2010/main" w="9525">
                   <a:solidFill>
                     <a:srgbClr val="000000"/>
                   </a:solidFill>
@@ -19341,7 +20250,7 @@
             </a:ln>
             <a:extLst>
               <a:ext uri="{91240B29-F687-4f45-9708-019B960494DF}">
-                <a14:hiddenLine xmlns:a14="http://schemas.microsoft.com/office/drawing/2010/main" xmlns:dgm="http://schemas.openxmlformats.org/drawingml/2006/diagram" xmlns:p14="http://schemas.microsoft.com/office/powerpoint/2010/main" xmlns="" w="9525">
+                <a14:hiddenLine xmlns="" xmlns:p14="http://schemas.microsoft.com/office/powerpoint/2010/main" xmlns:dgm="http://schemas.openxmlformats.org/drawingml/2006/diagram" xmlns:a14="http://schemas.microsoft.com/office/drawing/2010/main" w="9525">
                   <a:solidFill>
                     <a:srgbClr val="000000"/>
                   </a:solidFill>
@@ -19415,7 +20324,7 @@
             </a:ln>
             <a:extLst>
               <a:ext uri="{91240B29-F687-4f45-9708-019B960494DF}">
-                <a14:hiddenLine xmlns:a14="http://schemas.microsoft.com/office/drawing/2010/main" xmlns:dgm="http://schemas.openxmlformats.org/drawingml/2006/diagram" xmlns:p14="http://schemas.microsoft.com/office/powerpoint/2010/main" xmlns="" w="9525">
+                <a14:hiddenLine xmlns="" xmlns:p14="http://schemas.microsoft.com/office/powerpoint/2010/main" xmlns:dgm="http://schemas.openxmlformats.org/drawingml/2006/diagram" xmlns:a14="http://schemas.microsoft.com/office/drawing/2010/main" w="9525">
                   <a:solidFill>
                     <a:srgbClr val="000000"/>
                   </a:solidFill>
@@ -19537,7 +20446,7 @@
             </a:ln>
             <a:extLst>
               <a:ext uri="{91240B29-F687-4f45-9708-019B960494DF}">
-                <a14:hiddenLine xmlns:a14="http://schemas.microsoft.com/office/drawing/2010/main" xmlns:dgm="http://schemas.openxmlformats.org/drawingml/2006/diagram" xmlns:p14="http://schemas.microsoft.com/office/powerpoint/2010/main" xmlns="" w="9525">
+                <a14:hiddenLine xmlns="" xmlns:p14="http://schemas.microsoft.com/office/powerpoint/2010/main" xmlns:dgm="http://schemas.openxmlformats.org/drawingml/2006/diagram" xmlns:a14="http://schemas.microsoft.com/office/drawing/2010/main" w="9525">
                   <a:solidFill>
                     <a:srgbClr val="000000"/>
                   </a:solidFill>
@@ -19645,7 +20554,7 @@
             </a:ln>
             <a:extLst>
               <a:ext uri="{91240B29-F687-4f45-9708-019B960494DF}">
-                <a14:hiddenLine xmlns:a14="http://schemas.microsoft.com/office/drawing/2010/main" xmlns:dgm="http://schemas.openxmlformats.org/drawingml/2006/diagram" xmlns:p14="http://schemas.microsoft.com/office/powerpoint/2010/main" xmlns="" w="9525">
+                <a14:hiddenLine xmlns="" xmlns:p14="http://schemas.microsoft.com/office/powerpoint/2010/main" xmlns:dgm="http://schemas.openxmlformats.org/drawingml/2006/diagram" xmlns:a14="http://schemas.microsoft.com/office/drawing/2010/main" w="9525">
                   <a:solidFill>
                     <a:srgbClr val="000000"/>
                   </a:solidFill>
@@ -19719,7 +20628,7 @@
             </a:ln>
             <a:extLst>
               <a:ext uri="{91240B29-F687-4f45-9708-019B960494DF}">
-                <a14:hiddenLine xmlns:a14="http://schemas.microsoft.com/office/drawing/2010/main" xmlns:dgm="http://schemas.openxmlformats.org/drawingml/2006/diagram" xmlns:p14="http://schemas.microsoft.com/office/powerpoint/2010/main" xmlns="" w="9525">
+                <a14:hiddenLine xmlns="" xmlns:p14="http://schemas.microsoft.com/office/powerpoint/2010/main" xmlns:dgm="http://schemas.openxmlformats.org/drawingml/2006/diagram" xmlns:a14="http://schemas.microsoft.com/office/drawing/2010/main" w="9525">
                   <a:solidFill>
                     <a:srgbClr val="000000"/>
                   </a:solidFill>
@@ -19793,7 +20702,7 @@
             </a:ln>
             <a:extLst>
               <a:ext uri="{91240B29-F687-4f45-9708-019B960494DF}">
-                <a14:hiddenLine xmlns:a14="http://schemas.microsoft.com/office/drawing/2010/main" xmlns:dgm="http://schemas.openxmlformats.org/drawingml/2006/diagram" xmlns:p14="http://schemas.microsoft.com/office/powerpoint/2010/main" xmlns="" w="9525">
+                <a14:hiddenLine xmlns="" xmlns:p14="http://schemas.microsoft.com/office/powerpoint/2010/main" xmlns:dgm="http://schemas.openxmlformats.org/drawingml/2006/diagram" xmlns:a14="http://schemas.microsoft.com/office/drawing/2010/main" w="9525">
                   <a:solidFill>
                     <a:srgbClr val="000000"/>
                   </a:solidFill>
@@ -19895,7 +20804,7 @@
             </a:ln>
             <a:extLst>
               <a:ext uri="{91240B29-F687-4f45-9708-019B960494DF}">
-                <a14:hiddenLine xmlns:a14="http://schemas.microsoft.com/office/drawing/2010/main" xmlns:dgm="http://schemas.openxmlformats.org/drawingml/2006/diagram" xmlns:p14="http://schemas.microsoft.com/office/powerpoint/2010/main" xmlns="" w="9525">
+                <a14:hiddenLine xmlns="" xmlns:p14="http://schemas.microsoft.com/office/powerpoint/2010/main" xmlns:dgm="http://schemas.openxmlformats.org/drawingml/2006/diagram" xmlns:a14="http://schemas.microsoft.com/office/drawing/2010/main" w="9525">
                   <a:solidFill>
                     <a:srgbClr val="000000"/>
                   </a:solidFill>
@@ -19941,7 +20850,7 @@
             </a:ln>
             <a:extLst>
               <a:ext uri="{91240B29-F687-4f45-9708-019B960494DF}">
-                <a14:hiddenLine xmlns:a14="http://schemas.microsoft.com/office/drawing/2010/main" xmlns:dgm="http://schemas.openxmlformats.org/drawingml/2006/diagram" xmlns:p14="http://schemas.microsoft.com/office/powerpoint/2010/main" xmlns="" w="9525">
+                <a14:hiddenLine xmlns="" xmlns:p14="http://schemas.microsoft.com/office/powerpoint/2010/main" xmlns:dgm="http://schemas.openxmlformats.org/drawingml/2006/diagram" xmlns:a14="http://schemas.microsoft.com/office/drawing/2010/main" w="9525">
                   <a:solidFill>
                     <a:srgbClr val="000000"/>
                   </a:solidFill>
@@ -20018,7 +20927,7 @@
             </a:ln>
             <a:extLst>
               <a:ext uri="{91240B29-F687-4f45-9708-019B960494DF}">
-                <a14:hiddenLine xmlns:a14="http://schemas.microsoft.com/office/drawing/2010/main" xmlns:dgm="http://schemas.openxmlformats.org/drawingml/2006/diagram" xmlns:p14="http://schemas.microsoft.com/office/powerpoint/2010/main" xmlns="" w="9525">
+                <a14:hiddenLine xmlns="" xmlns:p14="http://schemas.microsoft.com/office/powerpoint/2010/main" xmlns:dgm="http://schemas.openxmlformats.org/drawingml/2006/diagram" xmlns:a14="http://schemas.microsoft.com/office/drawing/2010/main" w="9525">
                   <a:solidFill>
                     <a:srgbClr val="000000"/>
                   </a:solidFill>
@@ -20120,7 +21029,7 @@
             </a:ln>
             <a:extLst>
               <a:ext uri="{91240B29-F687-4f45-9708-019B960494DF}">
-                <a14:hiddenLine xmlns:a14="http://schemas.microsoft.com/office/drawing/2010/main" xmlns:dgm="http://schemas.openxmlformats.org/drawingml/2006/diagram" xmlns:p14="http://schemas.microsoft.com/office/powerpoint/2010/main" xmlns="" w="9525">
+                <a14:hiddenLine xmlns="" xmlns:p14="http://schemas.microsoft.com/office/powerpoint/2010/main" xmlns:dgm="http://schemas.openxmlformats.org/drawingml/2006/diagram" xmlns:a14="http://schemas.microsoft.com/office/drawing/2010/main" w="9525">
                   <a:solidFill>
                     <a:srgbClr val="000000"/>
                   </a:solidFill>
@@ -20194,7 +21103,7 @@
             </a:ln>
             <a:extLst>
               <a:ext uri="{91240B29-F687-4f45-9708-019B960494DF}">
-                <a14:hiddenLine xmlns:a14="http://schemas.microsoft.com/office/drawing/2010/main" xmlns:dgm="http://schemas.openxmlformats.org/drawingml/2006/diagram" xmlns:p14="http://schemas.microsoft.com/office/powerpoint/2010/main" xmlns="" w="9525">
+                <a14:hiddenLine xmlns="" xmlns:p14="http://schemas.microsoft.com/office/powerpoint/2010/main" xmlns:dgm="http://schemas.openxmlformats.org/drawingml/2006/diagram" xmlns:a14="http://schemas.microsoft.com/office/drawing/2010/main" w="9525">
                   <a:solidFill>
                     <a:srgbClr val="000000"/>
                   </a:solidFill>
@@ -20296,7 +21205,7 @@
             </a:ln>
             <a:extLst>
               <a:ext uri="{91240B29-F687-4f45-9708-019B960494DF}">
-                <a14:hiddenLine xmlns:a14="http://schemas.microsoft.com/office/drawing/2010/main" xmlns:dgm="http://schemas.openxmlformats.org/drawingml/2006/diagram" xmlns:p14="http://schemas.microsoft.com/office/powerpoint/2010/main" xmlns="" w="9525">
+                <a14:hiddenLine xmlns="" xmlns:p14="http://schemas.microsoft.com/office/powerpoint/2010/main" xmlns:dgm="http://schemas.openxmlformats.org/drawingml/2006/diagram" xmlns:a14="http://schemas.microsoft.com/office/drawing/2010/main" w="9525">
                   <a:solidFill>
                     <a:srgbClr val="000000"/>
                   </a:solidFill>
@@ -20373,7 +21282,7 @@
             </a:ln>
             <a:extLst>
               <a:ext uri="{91240B29-F687-4f45-9708-019B960494DF}">
-                <a14:hiddenLine xmlns:a14="http://schemas.microsoft.com/office/drawing/2010/main" xmlns:dgm="http://schemas.openxmlformats.org/drawingml/2006/diagram" xmlns:p14="http://schemas.microsoft.com/office/powerpoint/2010/main" xmlns="" w="9525">
+                <a14:hiddenLine xmlns="" xmlns:p14="http://schemas.microsoft.com/office/powerpoint/2010/main" xmlns:dgm="http://schemas.openxmlformats.org/drawingml/2006/diagram" xmlns:a14="http://schemas.microsoft.com/office/drawing/2010/main" w="9525">
                   <a:solidFill>
                     <a:srgbClr val="000000"/>
                   </a:solidFill>
@@ -20447,7 +21356,7 @@
             </a:ln>
             <a:extLst>
               <a:ext uri="{91240B29-F687-4f45-9708-019B960494DF}">
-                <a14:hiddenLine xmlns:a14="http://schemas.microsoft.com/office/drawing/2010/main" xmlns:dgm="http://schemas.openxmlformats.org/drawingml/2006/diagram" xmlns:p14="http://schemas.microsoft.com/office/powerpoint/2010/main" xmlns="" w="9525">
+                <a14:hiddenLine xmlns="" xmlns:p14="http://schemas.microsoft.com/office/powerpoint/2010/main" xmlns:dgm="http://schemas.openxmlformats.org/drawingml/2006/diagram" xmlns:a14="http://schemas.microsoft.com/office/drawing/2010/main" w="9525">
                   <a:solidFill>
                     <a:srgbClr val="000000"/>
                   </a:solidFill>
@@ -20549,7 +21458,7 @@
             </a:ln>
             <a:extLst>
               <a:ext uri="{91240B29-F687-4f45-9708-019B960494DF}">
-                <a14:hiddenLine xmlns:a14="http://schemas.microsoft.com/office/drawing/2010/main" xmlns:dgm="http://schemas.openxmlformats.org/drawingml/2006/diagram" xmlns:p14="http://schemas.microsoft.com/office/powerpoint/2010/main" xmlns="" w="9525">
+                <a14:hiddenLine xmlns="" xmlns:p14="http://schemas.microsoft.com/office/powerpoint/2010/main" xmlns:dgm="http://schemas.openxmlformats.org/drawingml/2006/diagram" xmlns:a14="http://schemas.microsoft.com/office/drawing/2010/main" w="9525">
                   <a:solidFill>
                     <a:srgbClr val="000000"/>
                   </a:solidFill>
@@ -20651,7 +21560,7 @@
             </a:ln>
             <a:extLst>
               <a:ext uri="{91240B29-F687-4f45-9708-019B960494DF}">
-                <a14:hiddenLine xmlns:a14="http://schemas.microsoft.com/office/drawing/2010/main" xmlns:dgm="http://schemas.openxmlformats.org/drawingml/2006/diagram" xmlns:p14="http://schemas.microsoft.com/office/powerpoint/2010/main" xmlns="" w="9525">
+                <a14:hiddenLine xmlns="" xmlns:p14="http://schemas.microsoft.com/office/powerpoint/2010/main" xmlns:dgm="http://schemas.openxmlformats.org/drawingml/2006/diagram" xmlns:a14="http://schemas.microsoft.com/office/drawing/2010/main" w="9525">
                   <a:solidFill>
                     <a:srgbClr val="000000"/>
                   </a:solidFill>
@@ -20728,7 +21637,7 @@
             </a:ln>
             <a:extLst>
               <a:ext uri="{91240B29-F687-4f45-9708-019B960494DF}">
-                <a14:hiddenLine xmlns:a14="http://schemas.microsoft.com/office/drawing/2010/main" xmlns:dgm="http://schemas.openxmlformats.org/drawingml/2006/diagram" xmlns:p14="http://schemas.microsoft.com/office/powerpoint/2010/main" xmlns="" w="9525">
+                <a14:hiddenLine xmlns="" xmlns:p14="http://schemas.microsoft.com/office/powerpoint/2010/main" xmlns:dgm="http://schemas.openxmlformats.org/drawingml/2006/diagram" xmlns:a14="http://schemas.microsoft.com/office/drawing/2010/main" w="9525">
                   <a:solidFill>
                     <a:srgbClr val="000000"/>
                   </a:solidFill>
@@ -20860,7 +21769,7 @@
             </a:ln>
             <a:extLst>
               <a:ext uri="{91240B29-F687-4f45-9708-019B960494DF}">
-                <a14:hiddenLine xmlns:a14="http://schemas.microsoft.com/office/drawing/2010/main" xmlns:dgm="http://schemas.openxmlformats.org/drawingml/2006/diagram" xmlns:p14="http://schemas.microsoft.com/office/powerpoint/2010/main" xmlns="" w="9525">
+                <a14:hiddenLine xmlns="" xmlns:p14="http://schemas.microsoft.com/office/powerpoint/2010/main" xmlns:dgm="http://schemas.openxmlformats.org/drawingml/2006/diagram" xmlns:a14="http://schemas.microsoft.com/office/drawing/2010/main" w="9525">
                   <a:solidFill>
                     <a:srgbClr val="000000"/>
                   </a:solidFill>
@@ -20982,7 +21891,7 @@
             </a:ln>
             <a:extLst>
               <a:ext uri="{91240B29-F687-4f45-9708-019B960494DF}">
-                <a14:hiddenLine xmlns:a14="http://schemas.microsoft.com/office/drawing/2010/main" xmlns:dgm="http://schemas.openxmlformats.org/drawingml/2006/diagram" xmlns:p14="http://schemas.microsoft.com/office/powerpoint/2010/main" xmlns="" w="9525">
+                <a14:hiddenLine xmlns="" xmlns:p14="http://schemas.microsoft.com/office/powerpoint/2010/main" xmlns:dgm="http://schemas.openxmlformats.org/drawingml/2006/diagram" xmlns:a14="http://schemas.microsoft.com/office/drawing/2010/main" w="9525">
                   <a:solidFill>
                     <a:srgbClr val="000000"/>
                   </a:solidFill>
@@ -21109,7 +22018,7 @@
             </a:ln>
             <a:extLst>
               <a:ext uri="{91240B29-F687-4f45-9708-019B960494DF}">
-                <a14:hiddenLine xmlns:a14="http://schemas.microsoft.com/office/drawing/2010/main" xmlns:dgm="http://schemas.openxmlformats.org/drawingml/2006/diagram" xmlns:p14="http://schemas.microsoft.com/office/powerpoint/2010/main" xmlns="" w="9525">
+                <a14:hiddenLine xmlns="" xmlns:p14="http://schemas.microsoft.com/office/powerpoint/2010/main" xmlns:dgm="http://schemas.openxmlformats.org/drawingml/2006/diagram" xmlns:a14="http://schemas.microsoft.com/office/drawing/2010/main" w="9525">
                   <a:solidFill>
                     <a:srgbClr val="000000"/>
                   </a:solidFill>
@@ -21211,7 +22120,7 @@
             </a:ln>
             <a:extLst>
               <a:ext uri="{91240B29-F687-4f45-9708-019B960494DF}">
-                <a14:hiddenLine xmlns:a14="http://schemas.microsoft.com/office/drawing/2010/main" xmlns:dgm="http://schemas.openxmlformats.org/drawingml/2006/diagram" xmlns:p14="http://schemas.microsoft.com/office/powerpoint/2010/main" xmlns="" w="9525">
+                <a14:hiddenLine xmlns="" xmlns:p14="http://schemas.microsoft.com/office/powerpoint/2010/main" xmlns:dgm="http://schemas.openxmlformats.org/drawingml/2006/diagram" xmlns:a14="http://schemas.microsoft.com/office/drawing/2010/main" w="9525">
                   <a:solidFill>
                     <a:srgbClr val="000000"/>
                   </a:solidFill>
@@ -21288,7 +22197,7 @@
             </a:ln>
             <a:extLst>
               <a:ext uri="{91240B29-F687-4f45-9708-019B960494DF}">
-                <a14:hiddenLine xmlns:a14="http://schemas.microsoft.com/office/drawing/2010/main" xmlns:dgm="http://schemas.openxmlformats.org/drawingml/2006/diagram" xmlns:p14="http://schemas.microsoft.com/office/powerpoint/2010/main" xmlns="" w="9525">
+                <a14:hiddenLine xmlns="" xmlns:p14="http://schemas.microsoft.com/office/powerpoint/2010/main" xmlns:dgm="http://schemas.openxmlformats.org/drawingml/2006/diagram" xmlns:a14="http://schemas.microsoft.com/office/drawing/2010/main" w="9525">
                   <a:solidFill>
                     <a:srgbClr val="000000"/>
                   </a:solidFill>
@@ -21390,7 +22299,7 @@
             </a:ln>
             <a:extLst>
               <a:ext uri="{91240B29-F687-4f45-9708-019B960494DF}">
-                <a14:hiddenLine xmlns:a14="http://schemas.microsoft.com/office/drawing/2010/main" xmlns:dgm="http://schemas.openxmlformats.org/drawingml/2006/diagram" xmlns:p14="http://schemas.microsoft.com/office/powerpoint/2010/main" xmlns="" w="9525">
+                <a14:hiddenLine xmlns="" xmlns:p14="http://schemas.microsoft.com/office/powerpoint/2010/main" xmlns:dgm="http://schemas.openxmlformats.org/drawingml/2006/diagram" xmlns:a14="http://schemas.microsoft.com/office/drawing/2010/main" w="9525">
                   <a:solidFill>
                     <a:srgbClr val="000000"/>
                   </a:solidFill>
@@ -21470,7 +22379,7 @@
             </a:ln>
             <a:extLst>
               <a:ext uri="{91240B29-F687-4f45-9708-019B960494DF}">
-                <a14:hiddenLine xmlns:a14="http://schemas.microsoft.com/office/drawing/2010/main" xmlns:dgm="http://schemas.openxmlformats.org/drawingml/2006/diagram" xmlns:p14="http://schemas.microsoft.com/office/powerpoint/2010/main" xmlns="" w="9525">
+                <a14:hiddenLine xmlns="" xmlns:p14="http://schemas.microsoft.com/office/powerpoint/2010/main" xmlns:dgm="http://schemas.openxmlformats.org/drawingml/2006/diagram" xmlns:a14="http://schemas.microsoft.com/office/drawing/2010/main" w="9525">
                   <a:solidFill>
                     <a:srgbClr val="000000"/>
                   </a:solidFill>
@@ -21572,7 +22481,7 @@
             </a:ln>
             <a:extLst>
               <a:ext uri="{91240B29-F687-4f45-9708-019B960494DF}">
-                <a14:hiddenLine xmlns:a14="http://schemas.microsoft.com/office/drawing/2010/main" xmlns:dgm="http://schemas.openxmlformats.org/drawingml/2006/diagram" xmlns:p14="http://schemas.microsoft.com/office/powerpoint/2010/main" xmlns="" w="9525">
+                <a14:hiddenLine xmlns="" xmlns:p14="http://schemas.microsoft.com/office/powerpoint/2010/main" xmlns:dgm="http://schemas.openxmlformats.org/drawingml/2006/diagram" xmlns:a14="http://schemas.microsoft.com/office/drawing/2010/main" w="9525">
                   <a:solidFill>
                     <a:srgbClr val="000000"/>
                   </a:solidFill>
@@ -21652,7 +22561,7 @@
             </a:ln>
             <a:extLst>
               <a:ext uri="{91240B29-F687-4f45-9708-019B960494DF}">
-                <a14:hiddenLine xmlns:a14="http://schemas.microsoft.com/office/drawing/2010/main" xmlns:dgm="http://schemas.openxmlformats.org/drawingml/2006/diagram" xmlns:p14="http://schemas.microsoft.com/office/powerpoint/2010/main" xmlns="" w="9525">
+                <a14:hiddenLine xmlns="" xmlns:p14="http://schemas.microsoft.com/office/powerpoint/2010/main" xmlns:dgm="http://schemas.openxmlformats.org/drawingml/2006/diagram" xmlns:a14="http://schemas.microsoft.com/office/drawing/2010/main" w="9525">
                   <a:solidFill>
                     <a:srgbClr val="000000"/>
                   </a:solidFill>
@@ -21754,7 +22663,7 @@
             </a:ln>
             <a:extLst>
               <a:ext uri="{91240B29-F687-4f45-9708-019B960494DF}">
-                <a14:hiddenLine xmlns:a14="http://schemas.microsoft.com/office/drawing/2010/main" xmlns:dgm="http://schemas.openxmlformats.org/drawingml/2006/diagram" xmlns:p14="http://schemas.microsoft.com/office/powerpoint/2010/main" xmlns="" w="9525">
+                <a14:hiddenLine xmlns="" xmlns:p14="http://schemas.microsoft.com/office/powerpoint/2010/main" xmlns:dgm="http://schemas.openxmlformats.org/drawingml/2006/diagram" xmlns:a14="http://schemas.microsoft.com/office/drawing/2010/main" w="9525">
                   <a:solidFill>
                     <a:srgbClr val="000000"/>
                   </a:solidFill>
@@ -21800,7 +22709,7 @@
             </a:ln>
             <a:extLst>
               <a:ext uri="{91240B29-F687-4f45-9708-019B960494DF}">
-                <a14:hiddenLine xmlns:a14="http://schemas.microsoft.com/office/drawing/2010/main" xmlns:dgm="http://schemas.openxmlformats.org/drawingml/2006/diagram" xmlns:p14="http://schemas.microsoft.com/office/powerpoint/2010/main" xmlns="" w="9525">
+                <a14:hiddenLine xmlns="" xmlns:p14="http://schemas.microsoft.com/office/powerpoint/2010/main" xmlns:dgm="http://schemas.openxmlformats.org/drawingml/2006/diagram" xmlns:a14="http://schemas.microsoft.com/office/drawing/2010/main" w="9525">
                   <a:solidFill>
                     <a:srgbClr val="000000"/>
                   </a:solidFill>
@@ -22547,7 +23456,7 @@
           <a:noFill/>
           <a:extLst>
             <a:ext uri="{909E8E84-426E-40dd-AFC4-6F175D3DCCD1}">
-              <a14:hiddenFill xmlns:a14="http://schemas.microsoft.com/office/drawing/2010/main" xmlns:dgm="http://schemas.openxmlformats.org/drawingml/2006/diagram" xmlns:p14="http://schemas.microsoft.com/office/powerpoint/2010/main" xmlns="">
+              <a14:hiddenFill xmlns="" xmlns:p14="http://schemas.microsoft.com/office/powerpoint/2010/main" xmlns:dgm="http://schemas.openxmlformats.org/drawingml/2006/diagram" xmlns:a14="http://schemas.microsoft.com/office/drawing/2010/main">
                 <a:solidFill>
                   <a:srgbClr val="FFFFFF"/>
                 </a:solidFill>
@@ -22633,7 +23542,7 @@
             </a:ln>
             <a:extLst>
               <a:ext uri="{91240B29-F687-4f45-9708-019B960494DF}">
-                <a14:hiddenLine xmlns:a14="http://schemas.microsoft.com/office/drawing/2010/main" xmlns:dgm="http://schemas.openxmlformats.org/drawingml/2006/diagram" xmlns:p14="http://schemas.microsoft.com/office/powerpoint/2010/main" xmlns="" w="9525">
+                <a14:hiddenLine xmlns="" xmlns:p14="http://schemas.microsoft.com/office/powerpoint/2010/main" xmlns:dgm="http://schemas.openxmlformats.org/drawingml/2006/diagram" xmlns:a14="http://schemas.microsoft.com/office/drawing/2010/main" w="9525">
                   <a:solidFill>
                     <a:srgbClr val="000000"/>
                   </a:solidFill>
@@ -22735,7 +23644,7 @@
             </a:ln>
             <a:extLst>
               <a:ext uri="{91240B29-F687-4f45-9708-019B960494DF}">
-                <a14:hiddenLine xmlns:a14="http://schemas.microsoft.com/office/drawing/2010/main" xmlns:dgm="http://schemas.openxmlformats.org/drawingml/2006/diagram" xmlns:p14="http://schemas.microsoft.com/office/powerpoint/2010/main" xmlns="" w="9525">
+                <a14:hiddenLine xmlns="" xmlns:p14="http://schemas.microsoft.com/office/powerpoint/2010/main" xmlns:dgm="http://schemas.openxmlformats.org/drawingml/2006/diagram" xmlns:a14="http://schemas.microsoft.com/office/drawing/2010/main" w="9525">
                   <a:solidFill>
                     <a:srgbClr val="000000"/>
                   </a:solidFill>
@@ -22837,7 +23746,7 @@
             </a:ln>
             <a:extLst>
               <a:ext uri="{91240B29-F687-4f45-9708-019B960494DF}">
-                <a14:hiddenLine xmlns:a14="http://schemas.microsoft.com/office/drawing/2010/main" xmlns:dgm="http://schemas.openxmlformats.org/drawingml/2006/diagram" xmlns:p14="http://schemas.microsoft.com/office/powerpoint/2010/main" xmlns="" w="9525">
+                <a14:hiddenLine xmlns="" xmlns:p14="http://schemas.microsoft.com/office/powerpoint/2010/main" xmlns:dgm="http://schemas.openxmlformats.org/drawingml/2006/diagram" xmlns:a14="http://schemas.microsoft.com/office/drawing/2010/main" w="9525">
                   <a:solidFill>
                     <a:srgbClr val="000000"/>
                   </a:solidFill>
@@ -22911,7 +23820,7 @@
             </a:ln>
             <a:extLst>
               <a:ext uri="{91240B29-F687-4f45-9708-019B960494DF}">
-                <a14:hiddenLine xmlns:a14="http://schemas.microsoft.com/office/drawing/2010/main" xmlns:dgm="http://schemas.openxmlformats.org/drawingml/2006/diagram" xmlns:p14="http://schemas.microsoft.com/office/powerpoint/2010/main" xmlns="" w="9525">
+                <a14:hiddenLine xmlns="" xmlns:p14="http://schemas.microsoft.com/office/powerpoint/2010/main" xmlns:dgm="http://schemas.openxmlformats.org/drawingml/2006/diagram" xmlns:a14="http://schemas.microsoft.com/office/drawing/2010/main" w="9525">
                   <a:solidFill>
                     <a:srgbClr val="000000"/>
                   </a:solidFill>
@@ -23013,7 +23922,7 @@
             </a:ln>
             <a:extLst>
               <a:ext uri="{91240B29-F687-4f45-9708-019B960494DF}">
-                <a14:hiddenLine xmlns:a14="http://schemas.microsoft.com/office/drawing/2010/main" xmlns:dgm="http://schemas.openxmlformats.org/drawingml/2006/diagram" xmlns:p14="http://schemas.microsoft.com/office/powerpoint/2010/main" xmlns="" w="9525">
+                <a14:hiddenLine xmlns="" xmlns:p14="http://schemas.microsoft.com/office/powerpoint/2010/main" xmlns:dgm="http://schemas.openxmlformats.org/drawingml/2006/diagram" xmlns:a14="http://schemas.microsoft.com/office/drawing/2010/main" w="9525">
                   <a:solidFill>
                     <a:srgbClr val="000000"/>
                   </a:solidFill>
@@ -23087,7 +23996,7 @@
             </a:ln>
             <a:extLst>
               <a:ext uri="{91240B29-F687-4f45-9708-019B960494DF}">
-                <a14:hiddenLine xmlns:a14="http://schemas.microsoft.com/office/drawing/2010/main" xmlns:dgm="http://schemas.openxmlformats.org/drawingml/2006/diagram" xmlns:p14="http://schemas.microsoft.com/office/powerpoint/2010/main" xmlns="" w="9525">
+                <a14:hiddenLine xmlns="" xmlns:p14="http://schemas.microsoft.com/office/powerpoint/2010/main" xmlns:dgm="http://schemas.openxmlformats.org/drawingml/2006/diagram" xmlns:a14="http://schemas.microsoft.com/office/drawing/2010/main" w="9525">
                   <a:solidFill>
                     <a:srgbClr val="000000"/>
                   </a:solidFill>
@@ -23161,7 +24070,7 @@
             </a:ln>
             <a:extLst>
               <a:ext uri="{91240B29-F687-4f45-9708-019B960494DF}">
-                <a14:hiddenLine xmlns:a14="http://schemas.microsoft.com/office/drawing/2010/main" xmlns:dgm="http://schemas.openxmlformats.org/drawingml/2006/diagram" xmlns:p14="http://schemas.microsoft.com/office/powerpoint/2010/main" xmlns="" w="9525">
+                <a14:hiddenLine xmlns="" xmlns:p14="http://schemas.microsoft.com/office/powerpoint/2010/main" xmlns:dgm="http://schemas.openxmlformats.org/drawingml/2006/diagram" xmlns:a14="http://schemas.microsoft.com/office/drawing/2010/main" w="9525">
                   <a:solidFill>
                     <a:srgbClr val="000000"/>
                   </a:solidFill>
@@ -23263,7 +24172,7 @@
             </a:ln>
             <a:extLst>
               <a:ext uri="{91240B29-F687-4f45-9708-019B960494DF}">
-                <a14:hiddenLine xmlns:a14="http://schemas.microsoft.com/office/drawing/2010/main" xmlns:dgm="http://schemas.openxmlformats.org/drawingml/2006/diagram" xmlns:p14="http://schemas.microsoft.com/office/powerpoint/2010/main" xmlns="" w="9525">
+                <a14:hiddenLine xmlns="" xmlns:p14="http://schemas.microsoft.com/office/powerpoint/2010/main" xmlns:dgm="http://schemas.openxmlformats.org/drawingml/2006/diagram" xmlns:a14="http://schemas.microsoft.com/office/drawing/2010/main" w="9525">
                   <a:solidFill>
                     <a:srgbClr val="000000"/>
                   </a:solidFill>
@@ -23365,7 +24274,7 @@
             </a:ln>
             <a:extLst>
               <a:ext uri="{91240B29-F687-4f45-9708-019B960494DF}">
-                <a14:hiddenLine xmlns:a14="http://schemas.microsoft.com/office/drawing/2010/main" xmlns:dgm="http://schemas.openxmlformats.org/drawingml/2006/diagram" xmlns:p14="http://schemas.microsoft.com/office/powerpoint/2010/main" xmlns="" w="9525">
+                <a14:hiddenLine xmlns="" xmlns:p14="http://schemas.microsoft.com/office/powerpoint/2010/main" xmlns:dgm="http://schemas.openxmlformats.org/drawingml/2006/diagram" xmlns:a14="http://schemas.microsoft.com/office/drawing/2010/main" w="9525">
                   <a:solidFill>
                     <a:srgbClr val="000000"/>
                   </a:solidFill>
@@ -23439,7 +24348,7 @@
             </a:ln>
             <a:extLst>
               <a:ext uri="{91240B29-F687-4f45-9708-019B960494DF}">
-                <a14:hiddenLine xmlns:a14="http://schemas.microsoft.com/office/drawing/2010/main" xmlns:dgm="http://schemas.openxmlformats.org/drawingml/2006/diagram" xmlns:p14="http://schemas.microsoft.com/office/powerpoint/2010/main" xmlns="" w="9525">
+                <a14:hiddenLine xmlns="" xmlns:p14="http://schemas.microsoft.com/office/powerpoint/2010/main" xmlns:dgm="http://schemas.openxmlformats.org/drawingml/2006/diagram" xmlns:a14="http://schemas.microsoft.com/office/drawing/2010/main" w="9525">
                   <a:solidFill>
                     <a:srgbClr val="000000"/>
                   </a:solidFill>
@@ -23561,7 +24470,7 @@
             </a:ln>
             <a:extLst>
               <a:ext uri="{91240B29-F687-4f45-9708-019B960494DF}">
-                <a14:hiddenLine xmlns:a14="http://schemas.microsoft.com/office/drawing/2010/main" xmlns:dgm="http://schemas.openxmlformats.org/drawingml/2006/diagram" xmlns:p14="http://schemas.microsoft.com/office/powerpoint/2010/main" xmlns="" w="9525">
+                <a14:hiddenLine xmlns="" xmlns:p14="http://schemas.microsoft.com/office/powerpoint/2010/main" xmlns:dgm="http://schemas.openxmlformats.org/drawingml/2006/diagram" xmlns:a14="http://schemas.microsoft.com/office/drawing/2010/main" w="9525">
                   <a:solidFill>
                     <a:srgbClr val="000000"/>
                   </a:solidFill>
@@ -23669,7 +24578,7 @@
             </a:ln>
             <a:extLst>
               <a:ext uri="{91240B29-F687-4f45-9708-019B960494DF}">
-                <a14:hiddenLine xmlns:a14="http://schemas.microsoft.com/office/drawing/2010/main" xmlns:dgm="http://schemas.openxmlformats.org/drawingml/2006/diagram" xmlns:p14="http://schemas.microsoft.com/office/powerpoint/2010/main" xmlns="" w="9525">
+                <a14:hiddenLine xmlns="" xmlns:p14="http://schemas.microsoft.com/office/powerpoint/2010/main" xmlns:dgm="http://schemas.openxmlformats.org/drawingml/2006/diagram" xmlns:a14="http://schemas.microsoft.com/office/drawing/2010/main" w="9525">
                   <a:solidFill>
                     <a:srgbClr val="000000"/>
                   </a:solidFill>
@@ -23743,7 +24652,7 @@
             </a:ln>
             <a:extLst>
               <a:ext uri="{91240B29-F687-4f45-9708-019B960494DF}">
-                <a14:hiddenLine xmlns:a14="http://schemas.microsoft.com/office/drawing/2010/main" xmlns:dgm="http://schemas.openxmlformats.org/drawingml/2006/diagram" xmlns:p14="http://schemas.microsoft.com/office/powerpoint/2010/main" xmlns="" w="9525">
+                <a14:hiddenLine xmlns="" xmlns:p14="http://schemas.microsoft.com/office/powerpoint/2010/main" xmlns:dgm="http://schemas.openxmlformats.org/drawingml/2006/diagram" xmlns:a14="http://schemas.microsoft.com/office/drawing/2010/main" w="9525">
                   <a:solidFill>
                     <a:srgbClr val="000000"/>
                   </a:solidFill>
@@ -23817,7 +24726,7 @@
             </a:ln>
             <a:extLst>
               <a:ext uri="{91240B29-F687-4f45-9708-019B960494DF}">
-                <a14:hiddenLine xmlns:a14="http://schemas.microsoft.com/office/drawing/2010/main" xmlns:dgm="http://schemas.openxmlformats.org/drawingml/2006/diagram" xmlns:p14="http://schemas.microsoft.com/office/powerpoint/2010/main" xmlns="" w="9525">
+                <a14:hiddenLine xmlns="" xmlns:p14="http://schemas.microsoft.com/office/powerpoint/2010/main" xmlns:dgm="http://schemas.openxmlformats.org/drawingml/2006/diagram" xmlns:a14="http://schemas.microsoft.com/office/drawing/2010/main" w="9525">
                   <a:solidFill>
                     <a:srgbClr val="000000"/>
                   </a:solidFill>
@@ -23919,7 +24828,7 @@
             </a:ln>
             <a:extLst>
               <a:ext uri="{91240B29-F687-4f45-9708-019B960494DF}">
-                <a14:hiddenLine xmlns:a14="http://schemas.microsoft.com/office/drawing/2010/main" xmlns:dgm="http://schemas.openxmlformats.org/drawingml/2006/diagram" xmlns:p14="http://schemas.microsoft.com/office/powerpoint/2010/main" xmlns="" w="9525">
+                <a14:hiddenLine xmlns="" xmlns:p14="http://schemas.microsoft.com/office/powerpoint/2010/main" xmlns:dgm="http://schemas.openxmlformats.org/drawingml/2006/diagram" xmlns:a14="http://schemas.microsoft.com/office/drawing/2010/main" w="9525">
                   <a:solidFill>
                     <a:srgbClr val="000000"/>
                   </a:solidFill>
@@ -23965,7 +24874,7 @@
             </a:ln>
             <a:extLst>
               <a:ext uri="{91240B29-F687-4f45-9708-019B960494DF}">
-                <a14:hiddenLine xmlns:a14="http://schemas.microsoft.com/office/drawing/2010/main" xmlns:dgm="http://schemas.openxmlformats.org/drawingml/2006/diagram" xmlns:p14="http://schemas.microsoft.com/office/powerpoint/2010/main" xmlns="" w="9525">
+                <a14:hiddenLine xmlns="" xmlns:p14="http://schemas.microsoft.com/office/powerpoint/2010/main" xmlns:dgm="http://schemas.openxmlformats.org/drawingml/2006/diagram" xmlns:a14="http://schemas.microsoft.com/office/drawing/2010/main" w="9525">
                   <a:solidFill>
                     <a:srgbClr val="000000"/>
                   </a:solidFill>
@@ -24042,7 +24951,7 @@
             </a:ln>
             <a:extLst>
               <a:ext uri="{91240B29-F687-4f45-9708-019B960494DF}">
-                <a14:hiddenLine xmlns:a14="http://schemas.microsoft.com/office/drawing/2010/main" xmlns:dgm="http://schemas.openxmlformats.org/drawingml/2006/diagram" xmlns:p14="http://schemas.microsoft.com/office/powerpoint/2010/main" xmlns="" w="9525">
+                <a14:hiddenLine xmlns="" xmlns:p14="http://schemas.microsoft.com/office/powerpoint/2010/main" xmlns:dgm="http://schemas.openxmlformats.org/drawingml/2006/diagram" xmlns:a14="http://schemas.microsoft.com/office/drawing/2010/main" w="9525">
                   <a:solidFill>
                     <a:srgbClr val="000000"/>
                   </a:solidFill>
@@ -24144,7 +25053,7 @@
             </a:ln>
             <a:extLst>
               <a:ext uri="{91240B29-F687-4f45-9708-019B960494DF}">
-                <a14:hiddenLine xmlns:a14="http://schemas.microsoft.com/office/drawing/2010/main" xmlns:dgm="http://schemas.openxmlformats.org/drawingml/2006/diagram" xmlns:p14="http://schemas.microsoft.com/office/powerpoint/2010/main" xmlns="" w="9525">
+                <a14:hiddenLine xmlns="" xmlns:p14="http://schemas.microsoft.com/office/powerpoint/2010/main" xmlns:dgm="http://schemas.openxmlformats.org/drawingml/2006/diagram" xmlns:a14="http://schemas.microsoft.com/office/drawing/2010/main" w="9525">
                   <a:solidFill>
                     <a:srgbClr val="000000"/>
                   </a:solidFill>
@@ -24218,7 +25127,7 @@
             </a:ln>
             <a:extLst>
               <a:ext uri="{91240B29-F687-4f45-9708-019B960494DF}">
-                <a14:hiddenLine xmlns:a14="http://schemas.microsoft.com/office/drawing/2010/main" xmlns:dgm="http://schemas.openxmlformats.org/drawingml/2006/diagram" xmlns:p14="http://schemas.microsoft.com/office/powerpoint/2010/main" xmlns="" w="9525">
+                <a14:hiddenLine xmlns="" xmlns:p14="http://schemas.microsoft.com/office/powerpoint/2010/main" xmlns:dgm="http://schemas.openxmlformats.org/drawingml/2006/diagram" xmlns:a14="http://schemas.microsoft.com/office/drawing/2010/main" w="9525">
                   <a:solidFill>
                     <a:srgbClr val="000000"/>
                   </a:solidFill>
@@ -24320,7 +25229,7 @@
             </a:ln>
             <a:extLst>
               <a:ext uri="{91240B29-F687-4f45-9708-019B960494DF}">
-                <a14:hiddenLine xmlns:a14="http://schemas.microsoft.com/office/drawing/2010/main" xmlns:dgm="http://schemas.openxmlformats.org/drawingml/2006/diagram" xmlns:p14="http://schemas.microsoft.com/office/powerpoint/2010/main" xmlns="" w="9525">
+                <a14:hiddenLine xmlns="" xmlns:p14="http://schemas.microsoft.com/office/powerpoint/2010/main" xmlns:dgm="http://schemas.openxmlformats.org/drawingml/2006/diagram" xmlns:a14="http://schemas.microsoft.com/office/drawing/2010/main" w="9525">
                   <a:solidFill>
                     <a:srgbClr val="000000"/>
                   </a:solidFill>
@@ -24397,7 +25306,7 @@
             </a:ln>
             <a:extLst>
               <a:ext uri="{91240B29-F687-4f45-9708-019B960494DF}">
-                <a14:hiddenLine xmlns:a14="http://schemas.microsoft.com/office/drawing/2010/main" xmlns:dgm="http://schemas.openxmlformats.org/drawingml/2006/diagram" xmlns:p14="http://schemas.microsoft.com/office/powerpoint/2010/main" xmlns="" w="9525">
+                <a14:hiddenLine xmlns="" xmlns:p14="http://schemas.microsoft.com/office/powerpoint/2010/main" xmlns:dgm="http://schemas.openxmlformats.org/drawingml/2006/diagram" xmlns:a14="http://schemas.microsoft.com/office/drawing/2010/main" w="9525">
                   <a:solidFill>
                     <a:srgbClr val="000000"/>
                   </a:solidFill>
@@ -24471,7 +25380,7 @@
             </a:ln>
             <a:extLst>
               <a:ext uri="{91240B29-F687-4f45-9708-019B960494DF}">
-                <a14:hiddenLine xmlns:a14="http://schemas.microsoft.com/office/drawing/2010/main" xmlns:dgm="http://schemas.openxmlformats.org/drawingml/2006/diagram" xmlns:p14="http://schemas.microsoft.com/office/powerpoint/2010/main" xmlns="" w="9525">
+                <a14:hiddenLine xmlns="" xmlns:p14="http://schemas.microsoft.com/office/powerpoint/2010/main" xmlns:dgm="http://schemas.openxmlformats.org/drawingml/2006/diagram" xmlns:a14="http://schemas.microsoft.com/office/drawing/2010/main" w="9525">
                   <a:solidFill>
                     <a:srgbClr val="000000"/>
                   </a:solidFill>
@@ -24573,7 +25482,7 @@
             </a:ln>
             <a:extLst>
               <a:ext uri="{91240B29-F687-4f45-9708-019B960494DF}">
-                <a14:hiddenLine xmlns:a14="http://schemas.microsoft.com/office/drawing/2010/main" xmlns:dgm="http://schemas.openxmlformats.org/drawingml/2006/diagram" xmlns:p14="http://schemas.microsoft.com/office/powerpoint/2010/main" xmlns="" w="9525">
+                <a14:hiddenLine xmlns="" xmlns:p14="http://schemas.microsoft.com/office/powerpoint/2010/main" xmlns:dgm="http://schemas.openxmlformats.org/drawingml/2006/diagram" xmlns:a14="http://schemas.microsoft.com/office/drawing/2010/main" w="9525">
                   <a:solidFill>
                     <a:srgbClr val="000000"/>
                   </a:solidFill>
@@ -24675,7 +25584,7 @@
             </a:ln>
             <a:extLst>
               <a:ext uri="{91240B29-F687-4f45-9708-019B960494DF}">
-                <a14:hiddenLine xmlns:a14="http://schemas.microsoft.com/office/drawing/2010/main" xmlns:dgm="http://schemas.openxmlformats.org/drawingml/2006/diagram" xmlns:p14="http://schemas.microsoft.com/office/powerpoint/2010/main" xmlns="" w="9525">
+                <a14:hiddenLine xmlns="" xmlns:p14="http://schemas.microsoft.com/office/powerpoint/2010/main" xmlns:dgm="http://schemas.openxmlformats.org/drawingml/2006/diagram" xmlns:a14="http://schemas.microsoft.com/office/drawing/2010/main" w="9525">
                   <a:solidFill>
                     <a:srgbClr val="000000"/>
                   </a:solidFill>
@@ -24752,7 +25661,7 @@
             </a:ln>
             <a:extLst>
               <a:ext uri="{91240B29-F687-4f45-9708-019B960494DF}">
-                <a14:hiddenLine xmlns:a14="http://schemas.microsoft.com/office/drawing/2010/main" xmlns:dgm="http://schemas.openxmlformats.org/drawingml/2006/diagram" xmlns:p14="http://schemas.microsoft.com/office/powerpoint/2010/main" xmlns="" w="9525">
+                <a14:hiddenLine xmlns="" xmlns:p14="http://schemas.microsoft.com/office/powerpoint/2010/main" xmlns:dgm="http://schemas.openxmlformats.org/drawingml/2006/diagram" xmlns:a14="http://schemas.microsoft.com/office/drawing/2010/main" w="9525">
                   <a:solidFill>
                     <a:srgbClr val="000000"/>
                   </a:solidFill>
@@ -24884,7 +25793,7 @@
             </a:ln>
             <a:extLst>
               <a:ext uri="{91240B29-F687-4f45-9708-019B960494DF}">
-                <a14:hiddenLine xmlns:a14="http://schemas.microsoft.com/office/drawing/2010/main" xmlns:dgm="http://schemas.openxmlformats.org/drawingml/2006/diagram" xmlns:p14="http://schemas.microsoft.com/office/powerpoint/2010/main" xmlns="" w="9525">
+                <a14:hiddenLine xmlns="" xmlns:p14="http://schemas.microsoft.com/office/powerpoint/2010/main" xmlns:dgm="http://schemas.openxmlformats.org/drawingml/2006/diagram" xmlns:a14="http://schemas.microsoft.com/office/drawing/2010/main" w="9525">
                   <a:solidFill>
                     <a:srgbClr val="000000"/>
                   </a:solidFill>
@@ -25006,7 +25915,7 @@
             </a:ln>
             <a:extLst>
               <a:ext uri="{91240B29-F687-4f45-9708-019B960494DF}">
-                <a14:hiddenLine xmlns:a14="http://schemas.microsoft.com/office/drawing/2010/main" xmlns:dgm="http://schemas.openxmlformats.org/drawingml/2006/diagram" xmlns:p14="http://schemas.microsoft.com/office/powerpoint/2010/main" xmlns="" w="9525">
+                <a14:hiddenLine xmlns="" xmlns:p14="http://schemas.microsoft.com/office/powerpoint/2010/main" xmlns:dgm="http://schemas.openxmlformats.org/drawingml/2006/diagram" xmlns:a14="http://schemas.microsoft.com/office/drawing/2010/main" w="9525">
                   <a:solidFill>
                     <a:srgbClr val="000000"/>
                   </a:solidFill>
@@ -25133,7 +26042,7 @@
             </a:ln>
             <a:extLst>
               <a:ext uri="{91240B29-F687-4f45-9708-019B960494DF}">
-                <a14:hiddenLine xmlns:a14="http://schemas.microsoft.com/office/drawing/2010/main" xmlns:dgm="http://schemas.openxmlformats.org/drawingml/2006/diagram" xmlns:p14="http://schemas.microsoft.com/office/powerpoint/2010/main" xmlns="" w="9525">
+                <a14:hiddenLine xmlns="" xmlns:p14="http://schemas.microsoft.com/office/powerpoint/2010/main" xmlns:dgm="http://schemas.openxmlformats.org/drawingml/2006/diagram" xmlns:a14="http://schemas.microsoft.com/office/drawing/2010/main" w="9525">
                   <a:solidFill>
                     <a:srgbClr val="000000"/>
                   </a:solidFill>
@@ -25235,7 +26144,7 @@
             </a:ln>
             <a:extLst>
               <a:ext uri="{91240B29-F687-4f45-9708-019B960494DF}">
-                <a14:hiddenLine xmlns:a14="http://schemas.microsoft.com/office/drawing/2010/main" xmlns:dgm="http://schemas.openxmlformats.org/drawingml/2006/diagram" xmlns:p14="http://schemas.microsoft.com/office/powerpoint/2010/main" xmlns="" w="9525">
+                <a14:hiddenLine xmlns="" xmlns:p14="http://schemas.microsoft.com/office/powerpoint/2010/main" xmlns:dgm="http://schemas.openxmlformats.org/drawingml/2006/diagram" xmlns:a14="http://schemas.microsoft.com/office/drawing/2010/main" w="9525">
                   <a:solidFill>
                     <a:srgbClr val="000000"/>
                   </a:solidFill>
@@ -25312,7 +26221,7 @@
             </a:ln>
             <a:extLst>
               <a:ext uri="{91240B29-F687-4f45-9708-019B960494DF}">
-                <a14:hiddenLine xmlns:a14="http://schemas.microsoft.com/office/drawing/2010/main" xmlns:dgm="http://schemas.openxmlformats.org/drawingml/2006/diagram" xmlns:p14="http://schemas.microsoft.com/office/powerpoint/2010/main" xmlns="" w="9525">
+                <a14:hiddenLine xmlns="" xmlns:p14="http://schemas.microsoft.com/office/powerpoint/2010/main" xmlns:dgm="http://schemas.openxmlformats.org/drawingml/2006/diagram" xmlns:a14="http://schemas.microsoft.com/office/drawing/2010/main" w="9525">
                   <a:solidFill>
                     <a:srgbClr val="000000"/>
                   </a:solidFill>
@@ -25414,7 +26323,7 @@
             </a:ln>
             <a:extLst>
               <a:ext uri="{91240B29-F687-4f45-9708-019B960494DF}">
-                <a14:hiddenLine xmlns:a14="http://schemas.microsoft.com/office/drawing/2010/main" xmlns:dgm="http://schemas.openxmlformats.org/drawingml/2006/diagram" xmlns:p14="http://schemas.microsoft.com/office/powerpoint/2010/main" xmlns="" w="9525">
+                <a14:hiddenLine xmlns="" xmlns:p14="http://schemas.microsoft.com/office/powerpoint/2010/main" xmlns:dgm="http://schemas.openxmlformats.org/drawingml/2006/diagram" xmlns:a14="http://schemas.microsoft.com/office/drawing/2010/main" w="9525">
                   <a:solidFill>
                     <a:srgbClr val="000000"/>
                   </a:solidFill>
@@ -25494,7 +26403,7 @@
             </a:ln>
             <a:extLst>
               <a:ext uri="{91240B29-F687-4f45-9708-019B960494DF}">
-                <a14:hiddenLine xmlns:a14="http://schemas.microsoft.com/office/drawing/2010/main" xmlns:dgm="http://schemas.openxmlformats.org/drawingml/2006/diagram" xmlns:p14="http://schemas.microsoft.com/office/powerpoint/2010/main" xmlns="" w="9525">
+                <a14:hiddenLine xmlns="" xmlns:p14="http://schemas.microsoft.com/office/powerpoint/2010/main" xmlns:dgm="http://schemas.openxmlformats.org/drawingml/2006/diagram" xmlns:a14="http://schemas.microsoft.com/office/drawing/2010/main" w="9525">
                   <a:solidFill>
                     <a:srgbClr val="000000"/>
                   </a:solidFill>
@@ -25596,7 +26505,7 @@
             </a:ln>
             <a:extLst>
               <a:ext uri="{91240B29-F687-4f45-9708-019B960494DF}">
-                <a14:hiddenLine xmlns:a14="http://schemas.microsoft.com/office/drawing/2010/main" xmlns:dgm="http://schemas.openxmlformats.org/drawingml/2006/diagram" xmlns:p14="http://schemas.microsoft.com/office/powerpoint/2010/main" xmlns="" w="9525">
+                <a14:hiddenLine xmlns="" xmlns:p14="http://schemas.microsoft.com/office/powerpoint/2010/main" xmlns:dgm="http://schemas.openxmlformats.org/drawingml/2006/diagram" xmlns:a14="http://schemas.microsoft.com/office/drawing/2010/main" w="9525">
                   <a:solidFill>
                     <a:srgbClr val="000000"/>
                   </a:solidFill>
@@ -25676,7 +26585,7 @@
             </a:ln>
             <a:extLst>
               <a:ext uri="{91240B29-F687-4f45-9708-019B960494DF}">
-                <a14:hiddenLine xmlns:a14="http://schemas.microsoft.com/office/drawing/2010/main" xmlns:dgm="http://schemas.openxmlformats.org/drawingml/2006/diagram" xmlns:p14="http://schemas.microsoft.com/office/powerpoint/2010/main" xmlns="" w="9525">
+                <a14:hiddenLine xmlns="" xmlns:p14="http://schemas.microsoft.com/office/powerpoint/2010/main" xmlns:dgm="http://schemas.openxmlformats.org/drawingml/2006/diagram" xmlns:a14="http://schemas.microsoft.com/office/drawing/2010/main" w="9525">
                   <a:solidFill>
                     <a:srgbClr val="000000"/>
                   </a:solidFill>
@@ -25778,7 +26687,7 @@
             </a:ln>
             <a:extLst>
               <a:ext uri="{91240B29-F687-4f45-9708-019B960494DF}">
-                <a14:hiddenLine xmlns:a14="http://schemas.microsoft.com/office/drawing/2010/main" xmlns:dgm="http://schemas.openxmlformats.org/drawingml/2006/diagram" xmlns:p14="http://schemas.microsoft.com/office/powerpoint/2010/main" xmlns="" w="9525">
+                <a14:hiddenLine xmlns="" xmlns:p14="http://schemas.microsoft.com/office/powerpoint/2010/main" xmlns:dgm="http://schemas.openxmlformats.org/drawingml/2006/diagram" xmlns:a14="http://schemas.microsoft.com/office/drawing/2010/main" w="9525">
                   <a:solidFill>
                     <a:srgbClr val="000000"/>
                   </a:solidFill>
@@ -25824,7 +26733,7 @@
             </a:ln>
             <a:extLst>
               <a:ext uri="{91240B29-F687-4f45-9708-019B960494DF}">
-                <a14:hiddenLine xmlns:a14="http://schemas.microsoft.com/office/drawing/2010/main" xmlns:dgm="http://schemas.openxmlformats.org/drawingml/2006/diagram" xmlns:p14="http://schemas.microsoft.com/office/powerpoint/2010/main" xmlns="" w="9525">
+                <a14:hiddenLine xmlns="" xmlns:p14="http://schemas.microsoft.com/office/powerpoint/2010/main" xmlns:dgm="http://schemas.openxmlformats.org/drawingml/2006/diagram" xmlns:a14="http://schemas.microsoft.com/office/drawing/2010/main" w="9525">
                   <a:solidFill>
                     <a:srgbClr val="000000"/>
                   </a:solidFill>
@@ -26072,21 +26981,13 @@
           <a:p>
             <a:r>
               <a:rPr lang="fr-FR" dirty="0"/>
-              <a:t>Points négatifs : Mise en veille du serveur,</a:t>
+              <a:t>Points négatifs : Mise en veille du serveur lors d’inactivité</a:t>
             </a:r>
           </a:p>
           <a:p>
             <a:r>
               <a:rPr lang="fr-FR" dirty="0"/>
-              <a:t>Autre </a:t>
-            </a:r>
-            <a:r>
-              <a:rPr lang="fr-FR" dirty="0" err="1"/>
-              <a:t>hebergeur</a:t>
-            </a:r>
-            <a:r>
-              <a:rPr lang="fr-FR" dirty="0"/>
-              <a:t> :	AWS limite de temps d’utilisation</a:t>
+              <a:t>Autres hébergeurs : 	AWS limite de temps d’utilisation</a:t>
             </a:r>
           </a:p>
           <a:p>
@@ -26095,15 +26996,7 @@
             </a:pPr>
             <a:r>
               <a:rPr lang="fr-FR" sz="2400" dirty="0"/>
-              <a:t>	</a:t>
-            </a:r>
-            <a:r>
-              <a:rPr lang="fr-FR" sz="2400" dirty="0" err="1"/>
-              <a:t>OpenShift</a:t>
-            </a:r>
-            <a:r>
-              <a:rPr lang="fr-FR" sz="2400" dirty="0"/>
-              <a:t> difficile d’utilisation, serveur uniquement américain</a:t>
+              <a:t>  	OpenShift difficile d’utilisation, serveur uniquement 	américain</a:t>
             </a:r>
           </a:p>
         </p:txBody>
@@ -26228,7 +27121,7 @@
             </a:pPr>
             <a:r>
               <a:rPr lang="fr-FR" dirty="0"/>
-              <a:t>Mise en place de 3 comptes admins </a:t>
+              <a:t>Mise en place de 3 comptes admins avec login</a:t>
             </a:r>
           </a:p>
           <a:p>
